--- a/Basic_Computer_Skills_for_Forensics/6_Sleuth_Kit_Tutorial.pptx
+++ b/Basic_Computer_Skills_for_Forensics/6_Sleuth_Kit_Tutorial.pptx
@@ -5,14 +5,18 @@
     <p:sldMasterId id="2147483648" r:id="rId1"/>
   </p:sldMasterIdLst>
   <p:notesMasterIdLst>
-    <p:notesMasterId r:id="rId7"/>
+    <p:notesMasterId r:id="rId11"/>
   </p:notesMasterIdLst>
   <p:sldIdLst>
     <p:sldId id="256" r:id="rId2"/>
-    <p:sldId id="304" r:id="rId3"/>
-    <p:sldId id="307" r:id="rId4"/>
-    <p:sldId id="306" r:id="rId5"/>
-    <p:sldId id="308" r:id="rId6"/>
+    <p:sldId id="309" r:id="rId3"/>
+    <p:sldId id="310" r:id="rId4"/>
+    <p:sldId id="304" r:id="rId5"/>
+    <p:sldId id="311" r:id="rId6"/>
+    <p:sldId id="307" r:id="rId7"/>
+    <p:sldId id="306" r:id="rId8"/>
+    <p:sldId id="308" r:id="rId9"/>
+    <p:sldId id="312" r:id="rId10"/>
   </p:sldIdLst>
   <p:sldSz cx="12192000" cy="6858000"/>
   <p:notesSz cx="6858000" cy="9144000"/>
@@ -119,6 +123,230 @@
 </p:presentation>
 </file>
 
+<file path=ppt/revisionInfo.xml><?xml version="1.0" encoding="utf-8"?>
+<p1510:revInfo xmlns:a="http://schemas.openxmlformats.org/drawingml/2006/main" xmlns:r="http://schemas.openxmlformats.org/officeDocument/2006/relationships" xmlns:p1510="http://schemas.microsoft.com/office/powerpoint/2015/10/main">
+  <p1510:revLst>
+    <p1510:client id="{C409630A-84B6-4A23-AB6D-385EB5AA5C42}" v="16" dt="2021-09-07T13:03:06.424"/>
+  </p1510:revLst>
+</p1510:revInfo>
+</file>
+
+<file path=ppt/changesInfos/changesInfo1.xml><?xml version="1.0" encoding="utf-8"?>
+<pc:chgInfo xmlns:a="http://schemas.openxmlformats.org/drawingml/2006/main" xmlns:r="http://schemas.openxmlformats.org/officeDocument/2006/relationships" xmlns:ac="http://schemas.microsoft.com/office/drawing/2013/main/command" xmlns:pc="http://schemas.microsoft.com/office/powerpoint/2013/main/command">
+  <pc:docChgLst>
+    <pc:chgData name="Weifeng Xu" userId="e7aed605-a3dd-4d5a-a692-a87037af107b" providerId="ADAL" clId="{C409630A-84B6-4A23-AB6D-385EB5AA5C42}"/>
+    <pc:docChg chg="undo custSel addSld modSld sldOrd">
+      <pc:chgData name="Weifeng Xu" userId="e7aed605-a3dd-4d5a-a692-a87037af107b" providerId="ADAL" clId="{C409630A-84B6-4A23-AB6D-385EB5AA5C42}" dt="2021-09-07T13:35:25.226" v="1150" actId="20577"/>
+      <pc:docMkLst>
+        <pc:docMk/>
+      </pc:docMkLst>
+      <pc:sldChg chg="modNotesTx">
+        <pc:chgData name="Weifeng Xu" userId="e7aed605-a3dd-4d5a-a692-a87037af107b" providerId="ADAL" clId="{C409630A-84B6-4A23-AB6D-385EB5AA5C42}" dt="2021-09-07T13:11:08.090" v="391"/>
+        <pc:sldMkLst>
+          <pc:docMk/>
+          <pc:sldMk cId="3880498667" sldId="306"/>
+        </pc:sldMkLst>
+      </pc:sldChg>
+      <pc:sldChg chg="modSp mod">
+        <pc:chgData name="Weifeng Xu" userId="e7aed605-a3dd-4d5a-a692-a87037af107b" providerId="ADAL" clId="{C409630A-84B6-4A23-AB6D-385EB5AA5C42}" dt="2021-08-31T13:50:36.156" v="0" actId="14100"/>
+        <pc:sldMkLst>
+          <pc:docMk/>
+          <pc:sldMk cId="928789415" sldId="307"/>
+        </pc:sldMkLst>
+        <pc:spChg chg="mod">
+          <ac:chgData name="Weifeng Xu" userId="e7aed605-a3dd-4d5a-a692-a87037af107b" providerId="ADAL" clId="{C409630A-84B6-4A23-AB6D-385EB5AA5C42}" dt="2021-08-31T13:50:36.156" v="0" actId="14100"/>
+          <ac:spMkLst>
+            <pc:docMk/>
+            <pc:sldMk cId="928789415" sldId="307"/>
+            <ac:spMk id="7" creationId="{00000000-0000-0000-0000-000000000000}"/>
+          </ac:spMkLst>
+        </pc:spChg>
+      </pc:sldChg>
+      <pc:sldChg chg="addSp delSp modSp new mod chgLayout">
+        <pc:chgData name="Weifeng Xu" userId="e7aed605-a3dd-4d5a-a692-a87037af107b" providerId="ADAL" clId="{C409630A-84B6-4A23-AB6D-385EB5AA5C42}" dt="2021-09-07T12:13:36.660" v="121" actId="20577"/>
+        <pc:sldMkLst>
+          <pc:docMk/>
+          <pc:sldMk cId="4217461118" sldId="309"/>
+        </pc:sldMkLst>
+        <pc:spChg chg="del">
+          <ac:chgData name="Weifeng Xu" userId="e7aed605-a3dd-4d5a-a692-a87037af107b" providerId="ADAL" clId="{C409630A-84B6-4A23-AB6D-385EB5AA5C42}" dt="2021-08-31T13:54:58.455" v="2" actId="700"/>
+          <ac:spMkLst>
+            <pc:docMk/>
+            <pc:sldMk cId="4217461118" sldId="309"/>
+            <ac:spMk id="2" creationId="{33ABEDE2-E5BB-4F46-A636-184CCE759D45}"/>
+          </ac:spMkLst>
+        </pc:spChg>
+        <pc:spChg chg="del">
+          <ac:chgData name="Weifeng Xu" userId="e7aed605-a3dd-4d5a-a692-a87037af107b" providerId="ADAL" clId="{C409630A-84B6-4A23-AB6D-385EB5AA5C42}" dt="2021-08-31T13:54:58.455" v="2" actId="700"/>
+          <ac:spMkLst>
+            <pc:docMk/>
+            <pc:sldMk cId="4217461118" sldId="309"/>
+            <ac:spMk id="3" creationId="{70CD124A-67A2-4449-A585-7E5A421D5DC4}"/>
+          </ac:spMkLst>
+        </pc:spChg>
+        <pc:spChg chg="add mod ord">
+          <ac:chgData name="Weifeng Xu" userId="e7aed605-a3dd-4d5a-a692-a87037af107b" providerId="ADAL" clId="{C409630A-84B6-4A23-AB6D-385EB5AA5C42}" dt="2021-08-31T13:55:03.092" v="10" actId="20577"/>
+          <ac:spMkLst>
+            <pc:docMk/>
+            <pc:sldMk cId="4217461118" sldId="309"/>
+            <ac:spMk id="4" creationId="{DD942F69-0583-43B4-97E2-A99DDD7BFCCE}"/>
+          </ac:spMkLst>
+        </pc:spChg>
+        <pc:spChg chg="add mod ord">
+          <ac:chgData name="Weifeng Xu" userId="e7aed605-a3dd-4d5a-a692-a87037af107b" providerId="ADAL" clId="{C409630A-84B6-4A23-AB6D-385EB5AA5C42}" dt="2021-09-07T12:13:36.660" v="121" actId="20577"/>
+          <ac:spMkLst>
+            <pc:docMk/>
+            <pc:sldMk cId="4217461118" sldId="309"/>
+            <ac:spMk id="5" creationId="{72521232-DA9F-4C94-9BE6-17798B6A40F0}"/>
+          </ac:spMkLst>
+        </pc:spChg>
+      </pc:sldChg>
+      <pc:sldChg chg="addSp delSp modSp new mod ord modClrScheme chgLayout">
+        <pc:chgData name="Weifeng Xu" userId="e7aed605-a3dd-4d5a-a692-a87037af107b" providerId="ADAL" clId="{C409630A-84B6-4A23-AB6D-385EB5AA5C42}" dt="2021-09-07T12:14:34.617" v="127" actId="14100"/>
+        <pc:sldMkLst>
+          <pc:docMk/>
+          <pc:sldMk cId="1863833040" sldId="310"/>
+        </pc:sldMkLst>
+        <pc:spChg chg="del mod ord">
+          <ac:chgData name="Weifeng Xu" userId="e7aed605-a3dd-4d5a-a692-a87037af107b" providerId="ADAL" clId="{C409630A-84B6-4A23-AB6D-385EB5AA5C42}" dt="2021-09-07T12:13:45.713" v="122" actId="700"/>
+          <ac:spMkLst>
+            <pc:docMk/>
+            <pc:sldMk cId="1863833040" sldId="310"/>
+            <ac:spMk id="2" creationId="{1F82E46D-5009-43EB-BB45-2C282CEF80D5}"/>
+          </ac:spMkLst>
+        </pc:spChg>
+        <pc:spChg chg="del">
+          <ac:chgData name="Weifeng Xu" userId="e7aed605-a3dd-4d5a-a692-a87037af107b" providerId="ADAL" clId="{C409630A-84B6-4A23-AB6D-385EB5AA5C42}" dt="2021-09-07T12:13:45.713" v="122" actId="700"/>
+          <ac:spMkLst>
+            <pc:docMk/>
+            <pc:sldMk cId="1863833040" sldId="310"/>
+            <ac:spMk id="3" creationId="{2C122267-CD55-48B7-A60F-4FD5D820EBFB}"/>
+          </ac:spMkLst>
+        </pc:spChg>
+        <pc:spChg chg="add del mod ord">
+          <ac:chgData name="Weifeng Xu" userId="e7aed605-a3dd-4d5a-a692-a87037af107b" providerId="ADAL" clId="{C409630A-84B6-4A23-AB6D-385EB5AA5C42}" dt="2021-09-07T12:14:27.954" v="123" actId="700"/>
+          <ac:spMkLst>
+            <pc:docMk/>
+            <pc:sldMk cId="1863833040" sldId="310"/>
+            <ac:spMk id="4" creationId="{4810D0F2-3820-4C5B-8E55-0AF8256652D8}"/>
+          </ac:spMkLst>
+        </pc:spChg>
+        <pc:picChg chg="add mod">
+          <ac:chgData name="Weifeng Xu" userId="e7aed605-a3dd-4d5a-a692-a87037af107b" providerId="ADAL" clId="{C409630A-84B6-4A23-AB6D-385EB5AA5C42}" dt="2021-09-07T12:14:34.617" v="127" actId="14100"/>
+          <ac:picMkLst>
+            <pc:docMk/>
+            <pc:sldMk cId="1863833040" sldId="310"/>
+            <ac:picMk id="6" creationId="{0EFF31E4-C818-41B6-9B7D-F5C842816111}"/>
+          </ac:picMkLst>
+        </pc:picChg>
+      </pc:sldChg>
+      <pc:sldChg chg="addSp modSp new mod ord">
+        <pc:chgData name="Weifeng Xu" userId="e7aed605-a3dd-4d5a-a692-a87037af107b" providerId="ADAL" clId="{C409630A-84B6-4A23-AB6D-385EB5AA5C42}" dt="2021-09-07T13:06:25.492" v="387" actId="207"/>
+        <pc:sldMkLst>
+          <pc:docMk/>
+          <pc:sldMk cId="2638533410" sldId="311"/>
+        </pc:sldMkLst>
+        <pc:spChg chg="mod">
+          <ac:chgData name="Weifeng Xu" userId="e7aed605-a3dd-4d5a-a692-a87037af107b" providerId="ADAL" clId="{C409630A-84B6-4A23-AB6D-385EB5AA5C42}" dt="2021-09-07T12:28:36.717" v="190" actId="313"/>
+          <ac:spMkLst>
+            <pc:docMk/>
+            <pc:sldMk cId="2638533410" sldId="311"/>
+            <ac:spMk id="2" creationId="{5CF2947B-AC4E-43B3-8E10-F086AF2017CD}"/>
+          </ac:spMkLst>
+        </pc:spChg>
+        <pc:spChg chg="add mod">
+          <ac:chgData name="Weifeng Xu" userId="e7aed605-a3dd-4d5a-a692-a87037af107b" providerId="ADAL" clId="{C409630A-84B6-4A23-AB6D-385EB5AA5C42}" dt="2021-09-07T13:03:08.900" v="386" actId="1076"/>
+          <ac:spMkLst>
+            <pc:docMk/>
+            <pc:sldMk cId="2638533410" sldId="311"/>
+            <ac:spMk id="5" creationId="{652C1141-755E-4EE2-9AE9-FE82CB423BFC}"/>
+          </ac:spMkLst>
+        </pc:spChg>
+        <pc:spChg chg="add mod">
+          <ac:chgData name="Weifeng Xu" userId="e7aed605-a3dd-4d5a-a692-a87037af107b" providerId="ADAL" clId="{C409630A-84B6-4A23-AB6D-385EB5AA5C42}" dt="2021-09-07T13:06:25.492" v="387" actId="207"/>
+          <ac:spMkLst>
+            <pc:docMk/>
+            <pc:sldMk cId="2638533410" sldId="311"/>
+            <ac:spMk id="7" creationId="{A36976F5-618E-4806-80B8-86F1D47E00E6}"/>
+          </ac:spMkLst>
+        </pc:spChg>
+        <pc:spChg chg="add mod">
+          <ac:chgData name="Weifeng Xu" userId="e7aed605-a3dd-4d5a-a692-a87037af107b" providerId="ADAL" clId="{C409630A-84B6-4A23-AB6D-385EB5AA5C42}" dt="2021-09-07T12:36:46.824" v="331" actId="1076"/>
+          <ac:spMkLst>
+            <pc:docMk/>
+            <pc:sldMk cId="2638533410" sldId="311"/>
+            <ac:spMk id="8" creationId="{F0EB6B0A-FA78-4429-A20F-FA01798CA510}"/>
+          </ac:spMkLst>
+        </pc:spChg>
+        <pc:spChg chg="add">
+          <ac:chgData name="Weifeng Xu" userId="e7aed605-a3dd-4d5a-a692-a87037af107b" providerId="ADAL" clId="{C409630A-84B6-4A23-AB6D-385EB5AA5C42}" dt="2021-09-07T12:36:52.423" v="332" actId="11529"/>
+          <ac:spMkLst>
+            <pc:docMk/>
+            <pc:sldMk cId="2638533410" sldId="311"/>
+            <ac:spMk id="9" creationId="{4E63FFEE-3CE6-4B70-97F4-55A5C0D888CA}"/>
+          </ac:spMkLst>
+        </pc:spChg>
+        <pc:picChg chg="add mod">
+          <ac:chgData name="Weifeng Xu" userId="e7aed605-a3dd-4d5a-a692-a87037af107b" providerId="ADAL" clId="{C409630A-84B6-4A23-AB6D-385EB5AA5C42}" dt="2021-09-07T12:32:35.792" v="224" actId="1076"/>
+          <ac:picMkLst>
+            <pc:docMk/>
+            <pc:sldMk cId="2638533410" sldId="311"/>
+            <ac:picMk id="4" creationId="{33B0866F-680A-4EBD-B7B8-2B205A9DF28C}"/>
+          </ac:picMkLst>
+        </pc:picChg>
+        <pc:picChg chg="add mod">
+          <ac:chgData name="Weifeng Xu" userId="e7aed605-a3dd-4d5a-a692-a87037af107b" providerId="ADAL" clId="{C409630A-84B6-4A23-AB6D-385EB5AA5C42}" dt="2021-09-07T12:34:36.869" v="246" actId="1076"/>
+          <ac:picMkLst>
+            <pc:docMk/>
+            <pc:sldMk cId="2638533410" sldId="311"/>
+            <ac:picMk id="6" creationId="{C975F3CF-24F3-4BCD-8ADE-F312D70B14D4}"/>
+          </ac:picMkLst>
+        </pc:picChg>
+        <pc:picChg chg="add mod">
+          <ac:chgData name="Weifeng Xu" userId="e7aed605-a3dd-4d5a-a692-a87037af107b" providerId="ADAL" clId="{C409630A-84B6-4A23-AB6D-385EB5AA5C42}" dt="2021-09-07T13:03:06.423" v="385" actId="1076"/>
+          <ac:picMkLst>
+            <pc:docMk/>
+            <pc:sldMk cId="2638533410" sldId="311"/>
+            <ac:picMk id="1026" creationId="{08097FE0-29C2-49C8-8FC0-215DC73E87CD}"/>
+          </ac:picMkLst>
+        </pc:picChg>
+      </pc:sldChg>
+      <pc:sldChg chg="addSp delSp modSp new mod modClrScheme chgLayout">
+        <pc:chgData name="Weifeng Xu" userId="e7aed605-a3dd-4d5a-a692-a87037af107b" providerId="ADAL" clId="{C409630A-84B6-4A23-AB6D-385EB5AA5C42}" dt="2021-09-07T13:35:25.226" v="1150" actId="20577"/>
+        <pc:sldMkLst>
+          <pc:docMk/>
+          <pc:sldMk cId="2003676083" sldId="312"/>
+        </pc:sldMkLst>
+        <pc:spChg chg="del mod ord">
+          <ac:chgData name="Weifeng Xu" userId="e7aed605-a3dd-4d5a-a692-a87037af107b" providerId="ADAL" clId="{C409630A-84B6-4A23-AB6D-385EB5AA5C42}" dt="2021-09-07T13:12:27.927" v="393" actId="700"/>
+          <ac:spMkLst>
+            <pc:docMk/>
+            <pc:sldMk cId="2003676083" sldId="312"/>
+            <ac:spMk id="2" creationId="{A366396E-AF52-4128-AD99-07BC53FC2D9F}"/>
+          </ac:spMkLst>
+        </pc:spChg>
+        <pc:spChg chg="add mod ord">
+          <ac:chgData name="Weifeng Xu" userId="e7aed605-a3dd-4d5a-a692-a87037af107b" providerId="ADAL" clId="{C409630A-84B6-4A23-AB6D-385EB5AA5C42}" dt="2021-09-07T13:35:25.226" v="1150" actId="20577"/>
+          <ac:spMkLst>
+            <pc:docMk/>
+            <pc:sldMk cId="2003676083" sldId="312"/>
+            <ac:spMk id="3" creationId="{38C0F097-7109-4F29-88C2-FD56C88EE3AC}"/>
+          </ac:spMkLst>
+        </pc:spChg>
+        <pc:spChg chg="add mod ord">
+          <ac:chgData name="Weifeng Xu" userId="e7aed605-a3dd-4d5a-a692-a87037af107b" providerId="ADAL" clId="{C409630A-84B6-4A23-AB6D-385EB5AA5C42}" dt="2021-09-07T13:35:14.320" v="1142" actId="6549"/>
+          <ac:spMkLst>
+            <pc:docMk/>
+            <pc:sldMk cId="2003676083" sldId="312"/>
+            <ac:spMk id="4" creationId="{FD94543E-EB57-4939-A8DE-34C9821FC8C6}"/>
+          </ac:spMkLst>
+        </pc:spChg>
+      </pc:sldChg>
+    </pc:docChg>
+  </pc:docChgLst>
+</pc:chgInfo>
+</file>
+
 <file path=ppt/notesMasters/notesMaster1.xml><?xml version="1.0" encoding="utf-8"?>
 <p:notesMaster xmlns:a="http://schemas.openxmlformats.org/drawingml/2006/main" xmlns:r="http://schemas.openxmlformats.org/officeDocument/2006/relationships" xmlns:p="http://schemas.openxmlformats.org/presentationml/2006/main">
   <p:cSld>
@@ -201,7 +429,7 @@
           <a:p>
             <a:fld id="{EE41F6E3-57F9-402E-BDBA-5B2DE11C8530}" type="datetimeFigureOut">
               <a:rPr lang="en-US" smtClean="0"/>
-              <a:t>10/15/2020</a:t>
+              <a:t>9/7/2021</a:t>
             </a:fld>
             <a:endParaRPr lang="en-US"/>
           </a:p>
@@ -265,38 +493,37 @@
           <a:p>
             <a:pPr lvl="0"/>
             <a:r>
-              <a:rPr lang="en-US" smtClean="0"/>
+              <a:rPr lang="en-US"/>
               <a:t>Click to edit Master text styles</a:t>
             </a:r>
           </a:p>
           <a:p>
             <a:pPr lvl="1"/>
             <a:r>
-              <a:rPr lang="en-US" smtClean="0"/>
+              <a:rPr lang="en-US"/>
               <a:t>Second level</a:t>
             </a:r>
           </a:p>
           <a:p>
             <a:pPr lvl="2"/>
             <a:r>
-              <a:rPr lang="en-US" smtClean="0"/>
+              <a:rPr lang="en-US"/>
               <a:t>Third level</a:t>
             </a:r>
           </a:p>
           <a:p>
             <a:pPr lvl="3"/>
             <a:r>
-              <a:rPr lang="en-US" smtClean="0"/>
+              <a:rPr lang="en-US"/>
               <a:t>Fourth level</a:t>
             </a:r>
           </a:p>
           <a:p>
             <a:pPr lvl="4"/>
             <a:r>
-              <a:rPr lang="en-US" smtClean="0"/>
+              <a:rPr lang="en-US"/>
               <a:t>Fifth level</a:t>
             </a:r>
-            <a:endParaRPr lang="en-US"/>
           </a:p>
         </p:txBody>
       </p:sp>
@@ -514,10 +741,9 @@
           <a:lstStyle/>
           <a:p>
             <a:r>
-              <a:rPr lang="en-US" dirty="0" smtClean="0"/>
+              <a:rPr lang="en-US" dirty="0"/>
               <a:t>http://www.sleuthkit.org/sleuthkit/docs/api-docs/4.9.0/basicpage.html</a:t>
             </a:r>
-            <a:endParaRPr lang="en-US" dirty="0"/>
           </a:p>
         </p:txBody>
       </p:sp>
@@ -602,10 +828,9 @@
           <a:lstStyle/>
           <a:p>
             <a:r>
-              <a:rPr lang="en-US" dirty="0" smtClean="0"/>
+              <a:rPr lang="en-US" dirty="0"/>
               <a:t>http://www.sleuthkit.org/sleuthkit/docs/api-docs/4.9.0/basicpage.html</a:t>
             </a:r>
-            <a:endParaRPr lang="en-US" dirty="0"/>
           </a:p>
         </p:txBody>
       </p:sp>
@@ -626,7 +851,7 @@
           <a:p>
             <a:fld id="{DDBF98C7-164A-4723-84F0-B1E4B080DDEC}" type="slidenum">
               <a:rPr lang="en-US" smtClean="0"/>
-              <a:t>2</a:t>
+              <a:t>4</a:t>
             </a:fld>
             <a:endParaRPr lang="en-US"/>
           </a:p>
@@ -690,10 +915,21 @@
           <a:lstStyle/>
           <a:p>
             <a:r>
-              <a:rPr lang="en-US" dirty="0" smtClean="0"/>
+              <a:rPr lang="en-US" dirty="0"/>
               <a:t>https://wiki.sleuthkit.org/index.php?title=TSK_Tool_Overview</a:t>
             </a:r>
-            <a:endParaRPr lang="en-US" dirty="0"/>
+          </a:p>
+          <a:p>
+            <a:r>
+              <a:rPr lang="en-US" dirty="0"/>
+              <a:t>https://linuxhint.com/kali_linux_top_forensic_tools/</a:t>
+            </a:r>
+          </a:p>
+          <a:p>
+            <a:r>
+              <a:rPr lang="en-US" dirty="0"/>
+              <a:t>https://linuxhint.com/kali_linux_top_forensic_tools_2020_part_2/</a:t>
+            </a:r>
           </a:p>
         </p:txBody>
       </p:sp>
@@ -714,7 +950,7 @@
           <a:p>
             <a:fld id="{DDBF98C7-164A-4723-84F0-B1E4B080DDEC}" type="slidenum">
               <a:rPr lang="en-US" smtClean="0"/>
-              <a:t>4</a:t>
+              <a:t>7</a:t>
             </a:fld>
             <a:endParaRPr lang="en-US"/>
           </a:p>
@@ -775,10 +1011,9 @@
           </a:lstStyle>
           <a:p>
             <a:r>
-              <a:rPr lang="en-US" smtClean="0"/>
+              <a:rPr lang="en-US"/>
               <a:t>Click to edit Master title style</a:t>
             </a:r>
-            <a:endParaRPr lang="en-US"/>
           </a:p>
         </p:txBody>
       </p:sp>
@@ -840,10 +1075,9 @@
           </a:lstStyle>
           <a:p>
             <a:r>
-              <a:rPr lang="en-US" smtClean="0"/>
+              <a:rPr lang="en-US"/>
               <a:t>Click to edit Master subtitle style</a:t>
             </a:r>
-            <a:endParaRPr lang="en-US"/>
           </a:p>
         </p:txBody>
       </p:sp>
@@ -864,7 +1098,7 @@
           <a:p>
             <a:fld id="{4263717A-E3C1-4BED-ABE0-B7069385E023}" type="datetimeFigureOut">
               <a:rPr lang="en-US" smtClean="0"/>
-              <a:t>10/15/2020</a:t>
+              <a:t>9/7/2021</a:t>
             </a:fld>
             <a:endParaRPr lang="en-US"/>
           </a:p>
@@ -963,10 +1197,9 @@
           <a:lstStyle/>
           <a:p>
             <a:r>
-              <a:rPr lang="en-US" smtClean="0"/>
+              <a:rPr lang="en-US"/>
               <a:t>Click to edit Master title style</a:t>
             </a:r>
-            <a:endParaRPr lang="en-US"/>
           </a:p>
         </p:txBody>
       </p:sp>
@@ -987,38 +1220,37 @@
           <a:p>
             <a:pPr lvl="0"/>
             <a:r>
-              <a:rPr lang="en-US" smtClean="0"/>
+              <a:rPr lang="en-US"/>
               <a:t>Click to edit Master text styles</a:t>
             </a:r>
           </a:p>
           <a:p>
             <a:pPr lvl="1"/>
             <a:r>
-              <a:rPr lang="en-US" smtClean="0"/>
+              <a:rPr lang="en-US"/>
               <a:t>Second level</a:t>
             </a:r>
           </a:p>
           <a:p>
             <a:pPr lvl="2"/>
             <a:r>
-              <a:rPr lang="en-US" smtClean="0"/>
+              <a:rPr lang="en-US"/>
               <a:t>Third level</a:t>
             </a:r>
           </a:p>
           <a:p>
             <a:pPr lvl="3"/>
             <a:r>
-              <a:rPr lang="en-US" smtClean="0"/>
+              <a:rPr lang="en-US"/>
               <a:t>Fourth level</a:t>
             </a:r>
           </a:p>
           <a:p>
             <a:pPr lvl="4"/>
             <a:r>
-              <a:rPr lang="en-US" smtClean="0"/>
+              <a:rPr lang="en-US"/>
               <a:t>Fifth level</a:t>
             </a:r>
-            <a:endParaRPr lang="en-US"/>
           </a:p>
         </p:txBody>
       </p:sp>
@@ -1039,7 +1271,7 @@
           <a:p>
             <a:fld id="{4263717A-E3C1-4BED-ABE0-B7069385E023}" type="datetimeFigureOut">
               <a:rPr lang="en-US" smtClean="0"/>
-              <a:t>10/15/2020</a:t>
+              <a:t>9/7/2021</a:t>
             </a:fld>
             <a:endParaRPr lang="en-US"/>
           </a:p>
@@ -1138,10 +1370,9 @@
           <a:lstStyle/>
           <a:p>
             <a:r>
-              <a:rPr lang="en-US" smtClean="0"/>
+              <a:rPr lang="en-US"/>
               <a:t>Click to edit Master title style</a:t>
             </a:r>
-            <a:endParaRPr lang="en-US"/>
           </a:p>
         </p:txBody>
       </p:sp>
@@ -1167,38 +1398,37 @@
           <a:p>
             <a:pPr lvl="0"/>
             <a:r>
-              <a:rPr lang="en-US" smtClean="0"/>
+              <a:rPr lang="en-US"/>
               <a:t>Click to edit Master text styles</a:t>
             </a:r>
           </a:p>
           <a:p>
             <a:pPr lvl="1"/>
             <a:r>
-              <a:rPr lang="en-US" smtClean="0"/>
+              <a:rPr lang="en-US"/>
               <a:t>Second level</a:t>
             </a:r>
           </a:p>
           <a:p>
             <a:pPr lvl="2"/>
             <a:r>
-              <a:rPr lang="en-US" smtClean="0"/>
+              <a:rPr lang="en-US"/>
               <a:t>Third level</a:t>
             </a:r>
           </a:p>
           <a:p>
             <a:pPr lvl="3"/>
             <a:r>
-              <a:rPr lang="en-US" smtClean="0"/>
+              <a:rPr lang="en-US"/>
               <a:t>Fourth level</a:t>
             </a:r>
           </a:p>
           <a:p>
             <a:pPr lvl="4"/>
             <a:r>
-              <a:rPr lang="en-US" smtClean="0"/>
+              <a:rPr lang="en-US"/>
               <a:t>Fifth level</a:t>
             </a:r>
-            <a:endParaRPr lang="en-US"/>
           </a:p>
         </p:txBody>
       </p:sp>
@@ -1219,7 +1449,7 @@
           <a:p>
             <a:fld id="{4263717A-E3C1-4BED-ABE0-B7069385E023}" type="datetimeFigureOut">
               <a:rPr lang="en-US" smtClean="0"/>
-              <a:t>10/15/2020</a:t>
+              <a:t>9/7/2021</a:t>
             </a:fld>
             <a:endParaRPr lang="en-US"/>
           </a:p>
@@ -1313,10 +1543,9 @@
           <a:lstStyle/>
           <a:p>
             <a:r>
-              <a:rPr lang="en-US" smtClean="0"/>
+              <a:rPr lang="en-US"/>
               <a:t>Click to edit Master title style</a:t>
             </a:r>
-            <a:endParaRPr lang="en-US"/>
           </a:p>
         </p:txBody>
       </p:sp>
@@ -1337,38 +1566,37 @@
           <a:p>
             <a:pPr lvl="0"/>
             <a:r>
-              <a:rPr lang="en-US" smtClean="0"/>
+              <a:rPr lang="en-US"/>
               <a:t>Click to edit Master text styles</a:t>
             </a:r>
           </a:p>
           <a:p>
             <a:pPr lvl="1"/>
             <a:r>
-              <a:rPr lang="en-US" smtClean="0"/>
+              <a:rPr lang="en-US"/>
               <a:t>Second level</a:t>
             </a:r>
           </a:p>
           <a:p>
             <a:pPr lvl="2"/>
             <a:r>
-              <a:rPr lang="en-US" smtClean="0"/>
+              <a:rPr lang="en-US"/>
               <a:t>Third level</a:t>
             </a:r>
           </a:p>
           <a:p>
             <a:pPr lvl="3"/>
             <a:r>
-              <a:rPr lang="en-US" smtClean="0"/>
+              <a:rPr lang="en-US"/>
               <a:t>Fourth level</a:t>
             </a:r>
           </a:p>
           <a:p>
             <a:pPr lvl="4"/>
             <a:r>
-              <a:rPr lang="en-US" smtClean="0"/>
+              <a:rPr lang="en-US"/>
               <a:t>Fifth level</a:t>
             </a:r>
-            <a:endParaRPr lang="en-US"/>
           </a:p>
         </p:txBody>
       </p:sp>
@@ -1389,7 +1617,7 @@
           <a:p>
             <a:fld id="{4263717A-E3C1-4BED-ABE0-B7069385E023}" type="datetimeFigureOut">
               <a:rPr lang="en-US" smtClean="0"/>
-              <a:t>10/15/2020</a:t>
+              <a:t>9/7/2021</a:t>
             </a:fld>
             <a:endParaRPr lang="en-US"/>
           </a:p>
@@ -1492,10 +1720,9 @@
           </a:lstStyle>
           <a:p>
             <a:r>
-              <a:rPr lang="en-US" smtClean="0"/>
+              <a:rPr lang="en-US"/>
               <a:t>Click to edit Master title style</a:t>
             </a:r>
-            <a:endParaRPr lang="en-US"/>
           </a:p>
         </p:txBody>
       </p:sp>
@@ -1612,7 +1839,7 @@
           <a:p>
             <a:pPr lvl="0"/>
             <a:r>
-              <a:rPr lang="en-US" smtClean="0"/>
+              <a:rPr lang="en-US"/>
               <a:t>Click to edit Master text styles</a:t>
             </a:r>
           </a:p>
@@ -1635,7 +1862,7 @@
           <a:p>
             <a:fld id="{4263717A-E3C1-4BED-ABE0-B7069385E023}" type="datetimeFigureOut">
               <a:rPr lang="en-US" smtClean="0"/>
-              <a:t>10/15/2020</a:t>
+              <a:t>9/7/2021</a:t>
             </a:fld>
             <a:endParaRPr lang="en-US"/>
           </a:p>
@@ -1729,10 +1956,9 @@
           <a:lstStyle/>
           <a:p>
             <a:r>
-              <a:rPr lang="en-US" smtClean="0"/>
+              <a:rPr lang="en-US"/>
               <a:t>Click to edit Master title style</a:t>
             </a:r>
-            <a:endParaRPr lang="en-US"/>
           </a:p>
         </p:txBody>
       </p:sp>
@@ -1758,38 +1984,37 @@
           <a:p>
             <a:pPr lvl="0"/>
             <a:r>
-              <a:rPr lang="en-US" smtClean="0"/>
+              <a:rPr lang="en-US"/>
               <a:t>Click to edit Master text styles</a:t>
             </a:r>
           </a:p>
           <a:p>
             <a:pPr lvl="1"/>
             <a:r>
-              <a:rPr lang="en-US" smtClean="0"/>
+              <a:rPr lang="en-US"/>
               <a:t>Second level</a:t>
             </a:r>
           </a:p>
           <a:p>
             <a:pPr lvl="2"/>
             <a:r>
-              <a:rPr lang="en-US" smtClean="0"/>
+              <a:rPr lang="en-US"/>
               <a:t>Third level</a:t>
             </a:r>
           </a:p>
           <a:p>
             <a:pPr lvl="3"/>
             <a:r>
-              <a:rPr lang="en-US" smtClean="0"/>
+              <a:rPr lang="en-US"/>
               <a:t>Fourth level</a:t>
             </a:r>
           </a:p>
           <a:p>
             <a:pPr lvl="4"/>
             <a:r>
-              <a:rPr lang="en-US" smtClean="0"/>
+              <a:rPr lang="en-US"/>
               <a:t>Fifth level</a:t>
             </a:r>
-            <a:endParaRPr lang="en-US"/>
           </a:p>
         </p:txBody>
       </p:sp>
@@ -1815,38 +2040,37 @@
           <a:p>
             <a:pPr lvl="0"/>
             <a:r>
-              <a:rPr lang="en-US" smtClean="0"/>
+              <a:rPr lang="en-US"/>
               <a:t>Click to edit Master text styles</a:t>
             </a:r>
           </a:p>
           <a:p>
             <a:pPr lvl="1"/>
             <a:r>
-              <a:rPr lang="en-US" smtClean="0"/>
+              <a:rPr lang="en-US"/>
               <a:t>Second level</a:t>
             </a:r>
           </a:p>
           <a:p>
             <a:pPr lvl="2"/>
             <a:r>
-              <a:rPr lang="en-US" smtClean="0"/>
+              <a:rPr lang="en-US"/>
               <a:t>Third level</a:t>
             </a:r>
           </a:p>
           <a:p>
             <a:pPr lvl="3"/>
             <a:r>
-              <a:rPr lang="en-US" smtClean="0"/>
+              <a:rPr lang="en-US"/>
               <a:t>Fourth level</a:t>
             </a:r>
           </a:p>
           <a:p>
             <a:pPr lvl="4"/>
             <a:r>
-              <a:rPr lang="en-US" smtClean="0"/>
+              <a:rPr lang="en-US"/>
               <a:t>Fifth level</a:t>
             </a:r>
-            <a:endParaRPr lang="en-US"/>
           </a:p>
         </p:txBody>
       </p:sp>
@@ -1867,7 +2091,7 @@
           <a:p>
             <a:fld id="{4263717A-E3C1-4BED-ABE0-B7069385E023}" type="datetimeFigureOut">
               <a:rPr lang="en-US" smtClean="0"/>
-              <a:t>10/15/2020</a:t>
+              <a:t>9/7/2021</a:t>
             </a:fld>
             <a:endParaRPr lang="en-US"/>
           </a:p>
@@ -1966,10 +2190,9 @@
           <a:lstStyle/>
           <a:p>
             <a:r>
-              <a:rPr lang="en-US" smtClean="0"/>
+              <a:rPr lang="en-US"/>
               <a:t>Click to edit Master title style</a:t>
             </a:r>
-            <a:endParaRPr lang="en-US"/>
           </a:p>
         </p:txBody>
       </p:sp>
@@ -2032,7 +2255,7 @@
           <a:p>
             <a:pPr lvl="0"/>
             <a:r>
-              <a:rPr lang="en-US" smtClean="0"/>
+              <a:rPr lang="en-US"/>
               <a:t>Click to edit Master text styles</a:t>
             </a:r>
           </a:p>
@@ -2060,38 +2283,37 @@
           <a:p>
             <a:pPr lvl="0"/>
             <a:r>
-              <a:rPr lang="en-US" smtClean="0"/>
+              <a:rPr lang="en-US"/>
               <a:t>Click to edit Master text styles</a:t>
             </a:r>
           </a:p>
           <a:p>
             <a:pPr lvl="1"/>
             <a:r>
-              <a:rPr lang="en-US" smtClean="0"/>
+              <a:rPr lang="en-US"/>
               <a:t>Second level</a:t>
             </a:r>
           </a:p>
           <a:p>
             <a:pPr lvl="2"/>
             <a:r>
-              <a:rPr lang="en-US" smtClean="0"/>
+              <a:rPr lang="en-US"/>
               <a:t>Third level</a:t>
             </a:r>
           </a:p>
           <a:p>
             <a:pPr lvl="3"/>
             <a:r>
-              <a:rPr lang="en-US" smtClean="0"/>
+              <a:rPr lang="en-US"/>
               <a:t>Fourth level</a:t>
             </a:r>
           </a:p>
           <a:p>
             <a:pPr lvl="4"/>
             <a:r>
-              <a:rPr lang="en-US" smtClean="0"/>
+              <a:rPr lang="en-US"/>
               <a:t>Fifth level</a:t>
             </a:r>
-            <a:endParaRPr lang="en-US"/>
           </a:p>
         </p:txBody>
       </p:sp>
@@ -2154,7 +2376,7 @@
           <a:p>
             <a:pPr lvl="0"/>
             <a:r>
-              <a:rPr lang="en-US" smtClean="0"/>
+              <a:rPr lang="en-US"/>
               <a:t>Click to edit Master text styles</a:t>
             </a:r>
           </a:p>
@@ -2182,38 +2404,37 @@
           <a:p>
             <a:pPr lvl="0"/>
             <a:r>
-              <a:rPr lang="en-US" smtClean="0"/>
+              <a:rPr lang="en-US"/>
               <a:t>Click to edit Master text styles</a:t>
             </a:r>
           </a:p>
           <a:p>
             <a:pPr lvl="1"/>
             <a:r>
-              <a:rPr lang="en-US" smtClean="0"/>
+              <a:rPr lang="en-US"/>
               <a:t>Second level</a:t>
             </a:r>
           </a:p>
           <a:p>
             <a:pPr lvl="2"/>
             <a:r>
-              <a:rPr lang="en-US" smtClean="0"/>
+              <a:rPr lang="en-US"/>
               <a:t>Third level</a:t>
             </a:r>
           </a:p>
           <a:p>
             <a:pPr lvl="3"/>
             <a:r>
-              <a:rPr lang="en-US" smtClean="0"/>
+              <a:rPr lang="en-US"/>
               <a:t>Fourth level</a:t>
             </a:r>
           </a:p>
           <a:p>
             <a:pPr lvl="4"/>
             <a:r>
-              <a:rPr lang="en-US" smtClean="0"/>
+              <a:rPr lang="en-US"/>
               <a:t>Fifth level</a:t>
             </a:r>
-            <a:endParaRPr lang="en-US"/>
           </a:p>
         </p:txBody>
       </p:sp>
@@ -2234,7 +2455,7 @@
           <a:p>
             <a:fld id="{4263717A-E3C1-4BED-ABE0-B7069385E023}" type="datetimeFigureOut">
               <a:rPr lang="en-US" smtClean="0"/>
-              <a:t>10/15/2020</a:t>
+              <a:t>9/7/2021</a:t>
             </a:fld>
             <a:endParaRPr lang="en-US"/>
           </a:p>
@@ -2328,10 +2549,9 @@
           <a:lstStyle/>
           <a:p>
             <a:r>
-              <a:rPr lang="en-US" smtClean="0"/>
+              <a:rPr lang="en-US"/>
               <a:t>Click to edit Master title style</a:t>
             </a:r>
-            <a:endParaRPr lang="en-US"/>
           </a:p>
         </p:txBody>
       </p:sp>
@@ -2352,7 +2572,7 @@
           <a:p>
             <a:fld id="{4263717A-E3C1-4BED-ABE0-B7069385E023}" type="datetimeFigureOut">
               <a:rPr lang="en-US" smtClean="0"/>
-              <a:t>10/15/2020</a:t>
+              <a:t>9/7/2021</a:t>
             </a:fld>
             <a:endParaRPr lang="en-US"/>
           </a:p>
@@ -2447,7 +2667,7 @@
           <a:p>
             <a:fld id="{4263717A-E3C1-4BED-ABE0-B7069385E023}" type="datetimeFigureOut">
               <a:rPr lang="en-US" smtClean="0"/>
-              <a:t>10/15/2020</a:t>
+              <a:t>9/7/2021</a:t>
             </a:fld>
             <a:endParaRPr lang="en-US"/>
           </a:p>
@@ -2550,10 +2770,9 @@
           </a:lstStyle>
           <a:p>
             <a:r>
-              <a:rPr lang="en-US" smtClean="0"/>
+              <a:rPr lang="en-US"/>
               <a:t>Click to edit Master title style</a:t>
             </a:r>
-            <a:endParaRPr lang="en-US"/>
           </a:p>
         </p:txBody>
       </p:sp>
@@ -2607,38 +2826,37 @@
           <a:p>
             <a:pPr lvl="0"/>
             <a:r>
-              <a:rPr lang="en-US" smtClean="0"/>
+              <a:rPr lang="en-US"/>
               <a:t>Click to edit Master text styles</a:t>
             </a:r>
           </a:p>
           <a:p>
             <a:pPr lvl="1"/>
             <a:r>
-              <a:rPr lang="en-US" smtClean="0"/>
+              <a:rPr lang="en-US"/>
               <a:t>Second level</a:t>
             </a:r>
           </a:p>
           <a:p>
             <a:pPr lvl="2"/>
             <a:r>
-              <a:rPr lang="en-US" smtClean="0"/>
+              <a:rPr lang="en-US"/>
               <a:t>Third level</a:t>
             </a:r>
           </a:p>
           <a:p>
             <a:pPr lvl="3"/>
             <a:r>
-              <a:rPr lang="en-US" smtClean="0"/>
+              <a:rPr lang="en-US"/>
               <a:t>Fourth level</a:t>
             </a:r>
           </a:p>
           <a:p>
             <a:pPr lvl="4"/>
             <a:r>
-              <a:rPr lang="en-US" smtClean="0"/>
+              <a:rPr lang="en-US"/>
               <a:t>Fifth level</a:t>
             </a:r>
-            <a:endParaRPr lang="en-US"/>
           </a:p>
         </p:txBody>
       </p:sp>
@@ -2701,7 +2919,7 @@
           <a:p>
             <a:pPr lvl="0"/>
             <a:r>
-              <a:rPr lang="en-US" smtClean="0"/>
+              <a:rPr lang="en-US"/>
               <a:t>Click to edit Master text styles</a:t>
             </a:r>
           </a:p>
@@ -2724,7 +2942,7 @@
           <a:p>
             <a:fld id="{4263717A-E3C1-4BED-ABE0-B7069385E023}" type="datetimeFigureOut">
               <a:rPr lang="en-US" smtClean="0"/>
-              <a:t>10/15/2020</a:t>
+              <a:t>9/7/2021</a:t>
             </a:fld>
             <a:endParaRPr lang="en-US"/>
           </a:p>
@@ -2827,10 +3045,9 @@
           </a:lstStyle>
           <a:p>
             <a:r>
-              <a:rPr lang="en-US" smtClean="0"/>
+              <a:rPr lang="en-US"/>
               <a:t>Click to edit Master title style</a:t>
             </a:r>
-            <a:endParaRPr lang="en-US"/>
           </a:p>
         </p:txBody>
       </p:sp>
@@ -2954,7 +3171,7 @@
           <a:p>
             <a:pPr lvl="0"/>
             <a:r>
-              <a:rPr lang="en-US" smtClean="0"/>
+              <a:rPr lang="en-US"/>
               <a:t>Click to edit Master text styles</a:t>
             </a:r>
           </a:p>
@@ -2977,7 +3194,7 @@
           <a:p>
             <a:fld id="{4263717A-E3C1-4BED-ABE0-B7069385E023}" type="datetimeFigureOut">
               <a:rPr lang="en-US" smtClean="0"/>
-              <a:t>10/15/2020</a:t>
+              <a:t>9/7/2021</a:t>
             </a:fld>
             <a:endParaRPr lang="en-US"/>
           </a:p>
@@ -3086,10 +3303,9 @@
           <a:lstStyle/>
           <a:p>
             <a:r>
-              <a:rPr lang="en-US" smtClean="0"/>
+              <a:rPr lang="en-US"/>
               <a:t>Click to edit Master title style</a:t>
             </a:r>
-            <a:endParaRPr lang="en-US"/>
           </a:p>
         </p:txBody>
       </p:sp>
@@ -3120,38 +3336,37 @@
           <a:p>
             <a:pPr lvl="0"/>
             <a:r>
-              <a:rPr lang="en-US" smtClean="0"/>
+              <a:rPr lang="en-US"/>
               <a:t>Click to edit Master text styles</a:t>
             </a:r>
           </a:p>
           <a:p>
             <a:pPr lvl="1"/>
             <a:r>
-              <a:rPr lang="en-US" smtClean="0"/>
+              <a:rPr lang="en-US"/>
               <a:t>Second level</a:t>
             </a:r>
           </a:p>
           <a:p>
             <a:pPr lvl="2"/>
             <a:r>
-              <a:rPr lang="en-US" smtClean="0"/>
+              <a:rPr lang="en-US"/>
               <a:t>Third level</a:t>
             </a:r>
           </a:p>
           <a:p>
             <a:pPr lvl="3"/>
             <a:r>
-              <a:rPr lang="en-US" smtClean="0"/>
+              <a:rPr lang="en-US"/>
               <a:t>Fourth level</a:t>
             </a:r>
           </a:p>
           <a:p>
             <a:pPr lvl="4"/>
             <a:r>
-              <a:rPr lang="en-US" smtClean="0"/>
+              <a:rPr lang="en-US"/>
               <a:t>Fifth level</a:t>
             </a:r>
-            <a:endParaRPr lang="en-US"/>
           </a:p>
         </p:txBody>
       </p:sp>
@@ -3190,7 +3405,7 @@
           <a:p>
             <a:fld id="{4263717A-E3C1-4BED-ABE0-B7069385E023}" type="datetimeFigureOut">
               <a:rPr lang="en-US" smtClean="0"/>
-              <a:t>10/15/2020</a:t>
+              <a:t>9/7/2021</a:t>
             </a:fld>
             <a:endParaRPr lang="en-US"/>
           </a:p>
@@ -3776,13 +3991,8 @@
           <a:p>
             <a:r>
               <a:rPr lang="en-US" dirty="0"/>
-              <a:t>The Sleuth </a:t>
-            </a:r>
-            <a:r>
-              <a:rPr lang="en-US" dirty="0" smtClean="0"/>
-              <a:t>Kit (TSK)</a:t>
-            </a:r>
-            <a:endParaRPr lang="en-US" dirty="0"/>
+              <a:t>The Sleuth Kit (TSK)</a:t>
+            </a:r>
           </a:p>
         </p:txBody>
       </p:sp>
@@ -3802,10 +4012,9 @@
           <a:lstStyle/>
           <a:p>
             <a:r>
-              <a:rPr lang="en-US" dirty="0" smtClean="0"/>
+              <a:rPr lang="en-US" dirty="0"/>
               <a:t>Version 4.9.0</a:t>
             </a:r>
-            <a:endParaRPr lang="en-US" dirty="0"/>
           </a:p>
         </p:txBody>
       </p:sp>
@@ -3823,6 +4032,166 @@
 </file>
 
 <file path=ppt/slides/slide2.xml><?xml version="1.0" encoding="utf-8"?>
+<p:sld xmlns:a="http://schemas.openxmlformats.org/drawingml/2006/main" xmlns:r="http://schemas.openxmlformats.org/officeDocument/2006/relationships" xmlns:p="http://schemas.openxmlformats.org/presentationml/2006/main">
+  <p:cSld>
+    <p:spTree>
+      <p:nvGrpSpPr>
+        <p:cNvPr id="1" name=""/>
+        <p:cNvGrpSpPr/>
+        <p:nvPr/>
+      </p:nvGrpSpPr>
+      <p:grpSpPr>
+        <a:xfrm>
+          <a:off x="0" y="0"/>
+          <a:ext cx="0" cy="0"/>
+          <a:chOff x="0" y="0"/>
+          <a:chExt cx="0" cy="0"/>
+        </a:xfrm>
+      </p:grpSpPr>
+      <p:sp>
+        <p:nvSpPr>
+          <p:cNvPr id="4" name="Title 3">
+            <a:extLst>
+              <a:ext uri="{FF2B5EF4-FFF2-40B4-BE49-F238E27FC236}">
+                <a16:creationId xmlns:a16="http://schemas.microsoft.com/office/drawing/2014/main" id="{DD942F69-0583-43B4-97E2-A99DDD7BFCCE}"/>
+              </a:ext>
+            </a:extLst>
+          </p:cNvPr>
+          <p:cNvSpPr>
+            <a:spLocks noGrp="1"/>
+          </p:cNvSpPr>
+          <p:nvPr>
+            <p:ph type="title"/>
+          </p:nvPr>
+        </p:nvSpPr>
+        <p:spPr/>
+        <p:txBody>
+          <a:bodyPr/>
+          <a:lstStyle/>
+          <a:p>
+            <a:r>
+              <a:rPr lang="en-GB" dirty="0"/>
+              <a:t>Overview</a:t>
+            </a:r>
+            <a:endParaRPr lang="en-US" dirty="0"/>
+          </a:p>
+        </p:txBody>
+      </p:sp>
+      <p:sp>
+        <p:nvSpPr>
+          <p:cNvPr id="5" name="Content Placeholder 4">
+            <a:extLst>
+              <a:ext uri="{FF2B5EF4-FFF2-40B4-BE49-F238E27FC236}">
+                <a16:creationId xmlns:a16="http://schemas.microsoft.com/office/drawing/2014/main" id="{72521232-DA9F-4C94-9BE6-17798B6A40F0}"/>
+              </a:ext>
+            </a:extLst>
+          </p:cNvPr>
+          <p:cNvSpPr>
+            <a:spLocks noGrp="1"/>
+          </p:cNvSpPr>
+          <p:nvPr>
+            <p:ph idx="1"/>
+          </p:nvPr>
+        </p:nvSpPr>
+        <p:spPr/>
+        <p:txBody>
+          <a:bodyPr/>
+          <a:lstStyle/>
+          <a:p>
+            <a:r>
+              <a:rPr lang="en-GB" dirty="0"/>
+              <a:t>Autopsy vs. The Sleuth Kit</a:t>
+            </a:r>
+          </a:p>
+          <a:p>
+            <a:r>
+              <a:rPr lang="en-GB" dirty="0"/>
+              <a:t>The layer of the TSK architecture</a:t>
+            </a:r>
+          </a:p>
+          <a:p>
+            <a:r>
+              <a:rPr lang="en-GB" dirty="0"/>
+              <a:t>The tools provided by each layer of TSK</a:t>
+            </a:r>
+            <a:endParaRPr lang="en-US" dirty="0"/>
+          </a:p>
+        </p:txBody>
+      </p:sp>
+    </p:spTree>
+    <p:extLst>
+      <p:ext uri="{BB962C8B-B14F-4D97-AF65-F5344CB8AC3E}">
+        <p14:creationId xmlns:p14="http://schemas.microsoft.com/office/powerpoint/2010/main" val="4217461118"/>
+      </p:ext>
+    </p:extLst>
+  </p:cSld>
+  <p:clrMapOvr>
+    <a:masterClrMapping/>
+  </p:clrMapOvr>
+</p:sld>
+</file>
+
+<file path=ppt/slides/slide3.xml><?xml version="1.0" encoding="utf-8"?>
+<p:sld xmlns:a="http://schemas.openxmlformats.org/drawingml/2006/main" xmlns:r="http://schemas.openxmlformats.org/officeDocument/2006/relationships" xmlns:p="http://schemas.openxmlformats.org/presentationml/2006/main">
+  <p:cSld>
+    <p:spTree>
+      <p:nvGrpSpPr>
+        <p:cNvPr id="1" name=""/>
+        <p:cNvGrpSpPr/>
+        <p:nvPr/>
+      </p:nvGrpSpPr>
+      <p:grpSpPr>
+        <a:xfrm>
+          <a:off x="0" y="0"/>
+          <a:ext cx="0" cy="0"/>
+          <a:chOff x="0" y="0"/>
+          <a:chExt cx="0" cy="0"/>
+        </a:xfrm>
+      </p:grpSpPr>
+      <p:pic>
+        <p:nvPicPr>
+          <p:cNvPr id="6" name="Picture 5">
+            <a:extLst>
+              <a:ext uri="{FF2B5EF4-FFF2-40B4-BE49-F238E27FC236}">
+                <a16:creationId xmlns:a16="http://schemas.microsoft.com/office/drawing/2014/main" id="{0EFF31E4-C818-41B6-9B7D-F5C842816111}"/>
+              </a:ext>
+            </a:extLst>
+          </p:cNvPr>
+          <p:cNvPicPr>
+            <a:picLocks noChangeAspect="1"/>
+          </p:cNvPicPr>
+          <p:nvPr/>
+        </p:nvPicPr>
+        <p:blipFill>
+          <a:blip r:embed="rId2"/>
+          <a:stretch>
+            <a:fillRect/>
+          </a:stretch>
+        </p:blipFill>
+        <p:spPr>
+          <a:xfrm>
+            <a:off x="2468707" y="332959"/>
+            <a:ext cx="7552713" cy="6209243"/>
+          </a:xfrm>
+          <a:prstGeom prst="rect">
+            <a:avLst/>
+          </a:prstGeom>
+        </p:spPr>
+      </p:pic>
+    </p:spTree>
+    <p:extLst>
+      <p:ext uri="{BB962C8B-B14F-4D97-AF65-F5344CB8AC3E}">
+        <p14:creationId xmlns:p14="http://schemas.microsoft.com/office/powerpoint/2010/main" val="1863833040"/>
+      </p:ext>
+    </p:extLst>
+  </p:cSld>
+  <p:clrMapOvr>
+    <a:masterClrMapping/>
+  </p:clrMapOvr>
+</p:sld>
+</file>
+
+<file path=ppt/slides/slide4.xml><?xml version="1.0" encoding="utf-8"?>
 <p:sld xmlns:a="http://schemas.openxmlformats.org/drawingml/2006/main" xmlns:r="http://schemas.openxmlformats.org/officeDocument/2006/relationships" xmlns:p="http://schemas.openxmlformats.org/presentationml/2006/main">
   <p:cSld>
     <p:spTree>
@@ -3880,13 +4249,8 @@
           <a:p>
             <a:r>
               <a:rPr lang="en-US" dirty="0"/>
-              <a:t>TSK </a:t>
-            </a:r>
-            <a:r>
-              <a:rPr lang="en-US" dirty="0" smtClean="0"/>
-              <a:t>Layers</a:t>
-            </a:r>
-            <a:endParaRPr lang="en-US" dirty="0"/>
+              <a:t>TSK Layers</a:t>
+            </a:r>
           </a:p>
         </p:txBody>
       </p:sp>
@@ -3952,49 +4316,13 @@
           <a:lstStyle/>
           <a:p>
             <a:r>
-              <a:rPr lang="en-US" dirty="0" smtClean="0">
+              <a:rPr lang="en-US" dirty="0">
                 <a:solidFill>
                   <a:srgbClr val="000000"/>
                 </a:solidFill>
                 <a:latin typeface="Roboto"/>
               </a:rPr>
-              <a:t>Can open </a:t>
-            </a:r>
-            <a:r>
-              <a:rPr lang="en-US" dirty="0">
-                <a:solidFill>
-                  <a:srgbClr val="000000"/>
-                </a:solidFill>
-                <a:latin typeface="Roboto"/>
-              </a:rPr>
-              <a:t>and </a:t>
-            </a:r>
-            <a:r>
-              <a:rPr lang="en-US" dirty="0" smtClean="0">
-                <a:solidFill>
-                  <a:srgbClr val="000000"/>
-                </a:solidFill>
-                <a:latin typeface="Roboto"/>
-              </a:rPr>
-              <a:t>process disk </a:t>
-            </a:r>
-            <a:r>
-              <a:rPr lang="en-US" dirty="0">
-                <a:solidFill>
-                  <a:srgbClr val="000000"/>
-                </a:solidFill>
-                <a:latin typeface="Roboto"/>
-              </a:rPr>
-              <a:t>images in various </a:t>
-            </a:r>
-            <a:r>
-              <a:rPr lang="en-US" dirty="0" smtClean="0">
-                <a:solidFill>
-                  <a:srgbClr val="000000"/>
-                </a:solidFill>
-                <a:latin typeface="Roboto"/>
-              </a:rPr>
-              <a:t>formats</a:t>
+              <a:t>Can open and process disk images in various formats</a:t>
             </a:r>
             <a:endParaRPr lang="en-US" dirty="0"/>
           </a:p>
@@ -4025,58 +4353,22 @@
           <a:lstStyle/>
           <a:p>
             <a:r>
-              <a:rPr lang="en-US" dirty="0" smtClean="0">
+              <a:rPr lang="en-US" dirty="0">
                 <a:solidFill>
                   <a:srgbClr val="000000"/>
                 </a:solidFill>
                 <a:latin typeface="Roboto"/>
               </a:rPr>
-              <a:t>Processing </a:t>
-            </a:r>
-            <a:r>
-              <a:rPr lang="en-US" dirty="0">
+              <a:t>Processing data as a volume system, e.g., </a:t>
+            </a:r>
+            <a:r>
+              <a:rPr lang="en-US" sz="1600" dirty="0">
                 <a:solidFill>
                   <a:srgbClr val="000000"/>
                 </a:solidFill>
                 <a:latin typeface="Roboto"/>
               </a:rPr>
-              <a:t>data as a volume </a:t>
-            </a:r>
-            <a:r>
-              <a:rPr lang="en-US" dirty="0" smtClean="0">
-                <a:solidFill>
-                  <a:srgbClr val="000000"/>
-                </a:solidFill>
-                <a:latin typeface="Roboto"/>
-              </a:rPr>
-              <a:t>system, e.g., </a:t>
-            </a:r>
-            <a:r>
-              <a:rPr lang="en-US" sz="1600" dirty="0" smtClean="0">
-                <a:solidFill>
-                  <a:srgbClr val="000000"/>
-                </a:solidFill>
-                <a:latin typeface="Roboto"/>
-              </a:rPr>
-              <a:t>DOS </a:t>
-            </a:r>
-            <a:r>
-              <a:rPr lang="en-US" sz="1600" dirty="0">
-                <a:solidFill>
-                  <a:srgbClr val="000000"/>
-                </a:solidFill>
-                <a:latin typeface="Roboto"/>
-              </a:rPr>
-              <a:t>partition </a:t>
-            </a:r>
-            <a:r>
-              <a:rPr lang="en-US" sz="1600" dirty="0" smtClean="0">
-                <a:solidFill>
-                  <a:srgbClr val="000000"/>
-                </a:solidFill>
-                <a:latin typeface="Roboto"/>
-              </a:rPr>
-              <a:t>tables</a:t>
+              <a:t>DOS partition tables</a:t>
             </a:r>
           </a:p>
         </p:txBody>
@@ -4287,7 +4579,440 @@
 </p:sld>
 </file>
 
-<file path=ppt/slides/slide3.xml><?xml version="1.0" encoding="utf-8"?>
+<file path=ppt/slides/slide5.xml><?xml version="1.0" encoding="utf-8"?>
+<p:sld xmlns:a="http://schemas.openxmlformats.org/drawingml/2006/main" xmlns:r="http://schemas.openxmlformats.org/officeDocument/2006/relationships" xmlns:p="http://schemas.openxmlformats.org/presentationml/2006/main">
+  <p:cSld>
+    <p:spTree>
+      <p:nvGrpSpPr>
+        <p:cNvPr id="1" name=""/>
+        <p:cNvGrpSpPr/>
+        <p:nvPr/>
+      </p:nvGrpSpPr>
+      <p:grpSpPr>
+        <a:xfrm>
+          <a:off x="0" y="0"/>
+          <a:ext cx="0" cy="0"/>
+          <a:chOff x="0" y="0"/>
+          <a:chExt cx="0" cy="0"/>
+        </a:xfrm>
+      </p:grpSpPr>
+      <p:sp>
+        <p:nvSpPr>
+          <p:cNvPr id="2" name="Title 1">
+            <a:extLst>
+              <a:ext uri="{FF2B5EF4-FFF2-40B4-BE49-F238E27FC236}">
+                <a16:creationId xmlns:a16="http://schemas.microsoft.com/office/drawing/2014/main" id="{5CF2947B-AC4E-43B3-8E10-F086AF2017CD}"/>
+              </a:ext>
+            </a:extLst>
+          </p:cNvPr>
+          <p:cNvSpPr>
+            <a:spLocks noGrp="1"/>
+          </p:cNvSpPr>
+          <p:nvPr>
+            <p:ph type="title"/>
+          </p:nvPr>
+        </p:nvSpPr>
+        <p:spPr/>
+        <p:txBody>
+          <a:bodyPr/>
+          <a:lstStyle/>
+          <a:p>
+            <a:r>
+              <a:rPr lang="en-GB" dirty="0"/>
+              <a:t>Storage management vs File System management</a:t>
+            </a:r>
+            <a:endParaRPr lang="en-US" dirty="0"/>
+          </a:p>
+        </p:txBody>
+      </p:sp>
+      <p:pic>
+        <p:nvPicPr>
+          <p:cNvPr id="1026" name="Picture 2" descr="Storage Unit">
+            <a:extLst>
+              <a:ext uri="{FF2B5EF4-FFF2-40B4-BE49-F238E27FC236}">
+                <a16:creationId xmlns:a16="http://schemas.microsoft.com/office/drawing/2014/main" id="{08097FE0-29C2-49C8-8FC0-215DC73E87CD}"/>
+              </a:ext>
+            </a:extLst>
+          </p:cNvPr>
+          <p:cNvPicPr>
+            <a:picLocks noChangeAspect="1" noChangeArrowheads="1" noCrop="1"/>
+          </p:cNvPicPr>
+          <p:nvPr/>
+        </p:nvPicPr>
+        <p:blipFill>
+          <a:blip r:embed="rId2">
+            <a:extLst>
+              <a:ext uri="{28A0092B-C50C-407E-A947-70E740481C1C}">
+                <a14:useLocalDpi xmlns:a14="http://schemas.microsoft.com/office/drawing/2010/main" val="0"/>
+              </a:ext>
+            </a:extLst>
+          </a:blip>
+          <a:srcRect/>
+          <a:stretch>
+            <a:fillRect/>
+          </a:stretch>
+        </p:blipFill>
+        <p:spPr bwMode="auto">
+          <a:xfrm>
+            <a:off x="4992870" y="2027717"/>
+            <a:ext cx="6255132" cy="4170088"/>
+          </a:xfrm>
+          <a:prstGeom prst="rect">
+            <a:avLst/>
+          </a:prstGeom>
+          <a:noFill/>
+          <a:extLst>
+            <a:ext uri="{909E8E84-426E-40DD-AFC4-6F175D3DCCD1}">
+              <a14:hiddenFill xmlns:a14="http://schemas.microsoft.com/office/drawing/2010/main">
+                <a:solidFill>
+                  <a:srgbClr val="FFFFFF"/>
+                </a:solidFill>
+              </a14:hiddenFill>
+            </a:ext>
+          </a:extLst>
+        </p:spPr>
+      </p:pic>
+      <p:sp>
+        <p:nvSpPr>
+          <p:cNvPr id="5" name="TextBox 4">
+            <a:extLst>
+              <a:ext uri="{FF2B5EF4-FFF2-40B4-BE49-F238E27FC236}">
+                <a16:creationId xmlns:a16="http://schemas.microsoft.com/office/drawing/2014/main" id="{652C1141-755E-4EE2-9AE9-FE82CB423BFC}"/>
+              </a:ext>
+            </a:extLst>
+          </p:cNvPr>
+          <p:cNvSpPr txBox="1"/>
+          <p:nvPr/>
+        </p:nvSpPr>
+        <p:spPr>
+          <a:xfrm>
+            <a:off x="6692760" y="6538239"/>
+            <a:ext cx="3179230" cy="215444"/>
+          </a:xfrm>
+          <a:prstGeom prst="rect">
+            <a:avLst/>
+          </a:prstGeom>
+          <a:noFill/>
+        </p:spPr>
+        <p:txBody>
+          <a:bodyPr wrap="square">
+            <a:spAutoFit/>
+          </a:bodyPr>
+          <a:lstStyle/>
+          <a:p>
+            <a:r>
+              <a:rPr lang="en-US" sz="800" dirty="0"/>
+              <a:t>https://www.geico.com/living/home/home-protection/storage-units/</a:t>
+            </a:r>
+          </a:p>
+        </p:txBody>
+      </p:sp>
+      <p:pic>
+        <p:nvPicPr>
+          <p:cNvPr id="4" name="Picture 3">
+            <a:extLst>
+              <a:ext uri="{FF2B5EF4-FFF2-40B4-BE49-F238E27FC236}">
+                <a16:creationId xmlns:a16="http://schemas.microsoft.com/office/drawing/2014/main" id="{33B0866F-680A-4EBD-B7B8-2B205A9DF28C}"/>
+              </a:ext>
+            </a:extLst>
+          </p:cNvPr>
+          <p:cNvPicPr>
+            <a:picLocks noChangeAspect="1"/>
+          </p:cNvPicPr>
+          <p:nvPr/>
+        </p:nvPicPr>
+        <p:blipFill>
+          <a:blip r:embed="rId3"/>
+          <a:stretch>
+            <a:fillRect/>
+          </a:stretch>
+        </p:blipFill>
+        <p:spPr>
+          <a:xfrm>
+            <a:off x="943998" y="2013122"/>
+            <a:ext cx="2859709" cy="1497943"/>
+          </a:xfrm>
+          <a:prstGeom prst="rect">
+            <a:avLst/>
+          </a:prstGeom>
+        </p:spPr>
+      </p:pic>
+      <p:pic>
+        <p:nvPicPr>
+          <p:cNvPr id="6" name="Picture 5">
+            <a:extLst>
+              <a:ext uri="{FF2B5EF4-FFF2-40B4-BE49-F238E27FC236}">
+                <a16:creationId xmlns:a16="http://schemas.microsoft.com/office/drawing/2014/main" id="{C975F3CF-24F3-4BCD-8ADE-F312D70B14D4}"/>
+              </a:ext>
+            </a:extLst>
+          </p:cNvPr>
+          <p:cNvPicPr>
+            <a:picLocks noChangeAspect="1"/>
+          </p:cNvPicPr>
+          <p:nvPr/>
+        </p:nvPicPr>
+        <p:blipFill>
+          <a:blip r:embed="rId4"/>
+          <a:stretch>
+            <a:fillRect/>
+          </a:stretch>
+        </p:blipFill>
+        <p:spPr>
+          <a:xfrm>
+            <a:off x="1475667" y="3887276"/>
+            <a:ext cx="1841867" cy="2385151"/>
+          </a:xfrm>
+          <a:prstGeom prst="rect">
+            <a:avLst/>
+          </a:prstGeom>
+        </p:spPr>
+      </p:pic>
+      <p:sp>
+        <p:nvSpPr>
+          <p:cNvPr id="7" name="TextBox 6">
+            <a:extLst>
+              <a:ext uri="{FF2B5EF4-FFF2-40B4-BE49-F238E27FC236}">
+                <a16:creationId xmlns:a16="http://schemas.microsoft.com/office/drawing/2014/main" id="{A36976F5-618E-4806-80B8-86F1D47E00E6}"/>
+              </a:ext>
+            </a:extLst>
+          </p:cNvPr>
+          <p:cNvSpPr txBox="1"/>
+          <p:nvPr/>
+        </p:nvSpPr>
+        <p:spPr>
+          <a:xfrm>
+            <a:off x="1598144" y="4457133"/>
+            <a:ext cx="1596912" cy="1015663"/>
+          </a:xfrm>
+          <a:prstGeom prst="rect">
+            <a:avLst/>
+          </a:prstGeom>
+          <a:noFill/>
+        </p:spPr>
+        <p:txBody>
+          <a:bodyPr wrap="none" rtlCol="0">
+            <a:spAutoFit/>
+          </a:bodyPr>
+          <a:lstStyle/>
+          <a:p>
+            <a:r>
+              <a:rPr lang="en-GB" sz="1200" dirty="0">
+                <a:solidFill>
+                  <a:srgbClr val="FF0000"/>
+                </a:solidFill>
+              </a:rPr>
+              <a:t>Customer</a:t>
+            </a:r>
+            <a:r>
+              <a:rPr lang="en-GB" sz="1200" dirty="0">
+                <a:solidFill>
+                  <a:srgbClr val="002060"/>
+                </a:solidFill>
+              </a:rPr>
+              <a:t>: Frank</a:t>
+            </a:r>
+          </a:p>
+          <a:p>
+            <a:r>
+              <a:rPr lang="en-GB" sz="1200" dirty="0">
+                <a:solidFill>
+                  <a:srgbClr val="FF0000"/>
+                </a:solidFill>
+              </a:rPr>
+              <a:t>in date</a:t>
+            </a:r>
+            <a:r>
+              <a:rPr lang="en-GB" sz="1200" dirty="0">
+                <a:solidFill>
+                  <a:srgbClr val="002060"/>
+                </a:solidFill>
+              </a:rPr>
+              <a:t>: 10/01/2021</a:t>
+            </a:r>
+          </a:p>
+          <a:p>
+            <a:r>
+              <a:rPr lang="en-GB" sz="1200" dirty="0">
+                <a:solidFill>
+                  <a:srgbClr val="FF0000"/>
+                </a:solidFill>
+              </a:rPr>
+              <a:t>out date</a:t>
+            </a:r>
+            <a:r>
+              <a:rPr lang="en-GB" sz="1200" dirty="0">
+                <a:solidFill>
+                  <a:srgbClr val="002060"/>
+                </a:solidFill>
+              </a:rPr>
+              <a:t>: 11/01/2021</a:t>
+            </a:r>
+          </a:p>
+          <a:p>
+            <a:r>
+              <a:rPr lang="en-GB" sz="1200" dirty="0">
+                <a:solidFill>
+                  <a:srgbClr val="FF0000"/>
+                </a:solidFill>
+              </a:rPr>
+              <a:t>occupied</a:t>
+            </a:r>
+            <a:r>
+              <a:rPr lang="en-GB" sz="1200" dirty="0">
+                <a:solidFill>
+                  <a:srgbClr val="002060"/>
+                </a:solidFill>
+              </a:rPr>
+              <a:t> </a:t>
+            </a:r>
+            <a:r>
+              <a:rPr lang="en-GB" sz="1200" dirty="0">
+                <a:solidFill>
+                  <a:srgbClr val="FF0000"/>
+                </a:solidFill>
+              </a:rPr>
+              <a:t>space</a:t>
+            </a:r>
+            <a:r>
+              <a:rPr lang="en-GB" sz="1200" dirty="0">
+                <a:solidFill>
+                  <a:srgbClr val="002060"/>
+                </a:solidFill>
+              </a:rPr>
+              <a:t>: 3</a:t>
+            </a:r>
+          </a:p>
+          <a:p>
+            <a:r>
+              <a:rPr lang="en-GB" sz="1200" dirty="0">
+                <a:solidFill>
+                  <a:srgbClr val="FF0000"/>
+                </a:solidFill>
+              </a:rPr>
+              <a:t>location</a:t>
+            </a:r>
+            <a:r>
+              <a:rPr lang="en-GB" sz="1200" dirty="0">
+                <a:solidFill>
+                  <a:srgbClr val="002060"/>
+                </a:solidFill>
+              </a:rPr>
+              <a:t>: B3, B4, B5</a:t>
+            </a:r>
+            <a:endParaRPr lang="en-US" sz="1200" dirty="0">
+              <a:solidFill>
+                <a:srgbClr val="002060"/>
+              </a:solidFill>
+            </a:endParaRPr>
+          </a:p>
+        </p:txBody>
+      </p:sp>
+      <p:sp>
+        <p:nvSpPr>
+          <p:cNvPr id="8" name="Arrow: Right 7">
+            <a:extLst>
+              <a:ext uri="{FF2B5EF4-FFF2-40B4-BE49-F238E27FC236}">
+                <a16:creationId xmlns:a16="http://schemas.microsoft.com/office/drawing/2014/main" id="{F0EB6B0A-FA78-4429-A20F-FA01798CA510}"/>
+              </a:ext>
+            </a:extLst>
+          </p:cNvPr>
+          <p:cNvSpPr/>
+          <p:nvPr/>
+        </p:nvSpPr>
+        <p:spPr>
+          <a:xfrm rot="16200000">
+            <a:off x="2108410" y="3598680"/>
+            <a:ext cx="379270" cy="204040"/>
+          </a:xfrm>
+          <a:prstGeom prst="rightArrow">
+            <a:avLst/>
+          </a:prstGeom>
+        </p:spPr>
+        <p:style>
+          <a:lnRef idx="2">
+            <a:schemeClr val="accent1">
+              <a:shade val="50000"/>
+            </a:schemeClr>
+          </a:lnRef>
+          <a:fillRef idx="1">
+            <a:schemeClr val="accent1"/>
+          </a:fillRef>
+          <a:effectRef idx="0">
+            <a:schemeClr val="accent1"/>
+          </a:effectRef>
+          <a:fontRef idx="minor">
+            <a:schemeClr val="lt1"/>
+          </a:fontRef>
+        </p:style>
+        <p:txBody>
+          <a:bodyPr rtlCol="0" anchor="ctr"/>
+          <a:lstStyle/>
+          <a:p>
+            <a:pPr algn="ctr"/>
+            <a:endParaRPr lang="en-US"/>
+          </a:p>
+        </p:txBody>
+      </p:sp>
+      <p:sp>
+        <p:nvSpPr>
+          <p:cNvPr id="9" name="Arrow: Right 8">
+            <a:extLst>
+              <a:ext uri="{FF2B5EF4-FFF2-40B4-BE49-F238E27FC236}">
+                <a16:creationId xmlns:a16="http://schemas.microsoft.com/office/drawing/2014/main" id="{4E63FFEE-3CE6-4B70-97F4-55A5C0D888CA}"/>
+              </a:ext>
+            </a:extLst>
+          </p:cNvPr>
+          <p:cNvSpPr/>
+          <p:nvPr/>
+        </p:nvSpPr>
+        <p:spPr>
+          <a:xfrm>
+            <a:off x="3733170" y="4844053"/>
+            <a:ext cx="1057984" cy="241825"/>
+          </a:xfrm>
+          <a:prstGeom prst="rightArrow">
+            <a:avLst/>
+          </a:prstGeom>
+        </p:spPr>
+        <p:style>
+          <a:lnRef idx="2">
+            <a:schemeClr val="accent1">
+              <a:shade val="50000"/>
+            </a:schemeClr>
+          </a:lnRef>
+          <a:fillRef idx="1">
+            <a:schemeClr val="accent1"/>
+          </a:fillRef>
+          <a:effectRef idx="0">
+            <a:schemeClr val="accent1"/>
+          </a:effectRef>
+          <a:fontRef idx="minor">
+            <a:schemeClr val="lt1"/>
+          </a:fontRef>
+        </p:style>
+        <p:txBody>
+          <a:bodyPr rtlCol="0" anchor="ctr"/>
+          <a:lstStyle/>
+          <a:p>
+            <a:pPr algn="ctr"/>
+            <a:endParaRPr lang="en-US"/>
+          </a:p>
+        </p:txBody>
+      </p:sp>
+    </p:spTree>
+    <p:extLst>
+      <p:ext uri="{BB962C8B-B14F-4D97-AF65-F5344CB8AC3E}">
+        <p14:creationId xmlns:p14="http://schemas.microsoft.com/office/powerpoint/2010/main" val="2638533410"/>
+      </p:ext>
+    </p:extLst>
+  </p:cSld>
+  <p:clrMapOvr>
+    <a:masterClrMapping/>
+  </p:clrMapOvr>
+</p:sld>
+</file>
+
+<file path=ppt/slides/slide6.xml><?xml version="1.0" encoding="utf-8"?>
 <p:sld xmlns:a="http://schemas.openxmlformats.org/drawingml/2006/main" xmlns:r="http://schemas.openxmlformats.org/officeDocument/2006/relationships" xmlns:p="http://schemas.openxmlformats.org/presentationml/2006/main">
   <p:cSld>
     <p:spTree>
@@ -4375,7 +5100,7 @@
           <a:lstStyle/>
           <a:p>
             <a:r>
-              <a:rPr lang="en-US" dirty="0" smtClean="0">
+              <a:rPr lang="en-US" dirty="0">
                 <a:solidFill>
                   <a:srgbClr val="000000"/>
                 </a:solidFill>
@@ -4418,16 +5143,7 @@
                 </a:solidFill>
                 <a:latin typeface="Roboto"/>
               </a:rPr>
-              <a:t>data units (i.e. blocks and clusters</a:t>
-            </a:r>
-            <a:r>
-              <a:rPr lang="en-US" dirty="0" smtClean="0">
-                <a:solidFill>
-                  <a:srgbClr val="000000"/>
-                </a:solidFill>
-                <a:latin typeface="Roboto"/>
-              </a:rPr>
-              <a:t>)</a:t>
+              <a:t>data units (i.e. blocks and clusters)</a:t>
             </a:r>
             <a:endParaRPr lang="en-US" dirty="0"/>
           </a:p>
@@ -4458,31 +5174,13 @@
           <a:lstStyle/>
           <a:p>
             <a:r>
-              <a:rPr lang="en-US" dirty="0" smtClean="0">
+              <a:rPr lang="en-US" dirty="0">
                 <a:solidFill>
                   <a:srgbClr val="000000"/>
                 </a:solidFill>
                 <a:latin typeface="Roboto"/>
               </a:rPr>
-              <a:t>files </a:t>
-            </a:r>
-            <a:r>
-              <a:rPr lang="en-US" dirty="0">
-                <a:solidFill>
-                  <a:srgbClr val="000000"/>
-                </a:solidFill>
-                <a:latin typeface="Roboto"/>
-              </a:rPr>
-              <a:t>and </a:t>
-            </a:r>
-            <a:r>
-              <a:rPr lang="en-US" dirty="0" smtClean="0">
-                <a:solidFill>
-                  <a:srgbClr val="000000"/>
-                </a:solidFill>
-                <a:latin typeface="Roboto"/>
-              </a:rPr>
-              <a:t>directories</a:t>
+              <a:t>files and directories</a:t>
             </a:r>
           </a:p>
           <a:p>
@@ -4491,20 +5189,12 @@
               <a:buChar char="•"/>
             </a:pPr>
             <a:r>
-              <a:rPr lang="en-US" dirty="0" err="1" smtClean="0"/>
+              <a:rPr lang="en-US" dirty="0" err="1"/>
               <a:t>inode</a:t>
             </a:r>
             <a:r>
-              <a:rPr lang="en-US" dirty="0" smtClean="0"/>
-              <a:t> </a:t>
-            </a:r>
-            <a:r>
               <a:rPr lang="en-US" dirty="0"/>
-              <a:t>structures in </a:t>
-            </a:r>
-            <a:r>
-              <a:rPr lang="en-US" dirty="0" smtClean="0"/>
-              <a:t>UNIX</a:t>
+              <a:t> structures in UNIX</a:t>
             </a:r>
           </a:p>
           <a:p>
@@ -4513,14 +5203,9 @@
               <a:buChar char="•"/>
             </a:pPr>
             <a:r>
-              <a:rPr lang="en-US" dirty="0" smtClean="0"/>
-              <a:t>MFT </a:t>
-            </a:r>
-            <a:r>
               <a:rPr lang="en-US" dirty="0"/>
-              <a:t>entries in NTFS, </a:t>
-            </a:r>
-            <a:endParaRPr lang="en-US" dirty="0" smtClean="0"/>
+              <a:t>MFT entries in NTFS, </a:t>
+            </a:r>
           </a:p>
           <a:p>
             <a:pPr marL="285750" indent="-285750">
@@ -4528,15 +5213,11 @@
               <a:buChar char="•"/>
             </a:pPr>
             <a:r>
-              <a:rPr lang="en-US" dirty="0" smtClean="0"/>
-              <a:t>directory </a:t>
-            </a:r>
-            <a:r>
               <a:rPr lang="en-US" dirty="0"/>
-              <a:t>entry structures in FAT</a:t>
-            </a:r>
-            <a:r>
-              <a:rPr lang="en-US" dirty="0" smtClean="0">
+              <a:t>directory entry structures in FAT</a:t>
+            </a:r>
+            <a:r>
+              <a:rPr lang="en-US" dirty="0">
                 <a:solidFill>
                   <a:srgbClr val="000000"/>
                 </a:solidFill>
@@ -4556,8 +5237,8 @@
         </p:nvSpPr>
         <p:spPr>
           <a:xfrm>
-            <a:off x="367912" y="4118865"/>
-            <a:ext cx="2186159" cy="1233230"/>
+            <a:off x="367913" y="4118864"/>
+            <a:ext cx="2146688" cy="1754326"/>
           </a:xfrm>
           <a:prstGeom prst="rect">
             <a:avLst/>
@@ -4579,25 +5260,7 @@
                 </a:solidFill>
                 <a:latin typeface="Roboto"/>
               </a:rPr>
-              <a:t>a different structure than the metadata </a:t>
-            </a:r>
-            <a:r>
-              <a:rPr lang="en-US" dirty="0" smtClean="0">
-                <a:solidFill>
-                  <a:srgbClr val="000000"/>
-                </a:solidFill>
-                <a:latin typeface="Roboto"/>
-              </a:rPr>
-              <a:t>structure, exception FAT </a:t>
-            </a:r>
-            <a:r>
-              <a:rPr lang="en-US" dirty="0">
-                <a:solidFill>
-                  <a:srgbClr val="000000"/>
-                </a:solidFill>
-                <a:latin typeface="Roboto"/>
-              </a:rPr>
-              <a:t>file system</a:t>
+              <a:t>a different structure than the metadata structure, exception FAT file system</a:t>
             </a:r>
             <a:endParaRPr lang="en-US" dirty="0"/>
           </a:p>
@@ -4634,16 +5297,7 @@
                 </a:solidFill>
                 <a:latin typeface="Roboto"/>
               </a:rPr>
-              <a:t>non-essential file system </a:t>
-            </a:r>
-            <a:r>
-              <a:rPr lang="en-US" dirty="0" smtClean="0">
-                <a:solidFill>
-                  <a:srgbClr val="000000"/>
-                </a:solidFill>
-                <a:latin typeface="Roboto"/>
-              </a:rPr>
-              <a:t>data</a:t>
+              <a:t>non-essential file system data</a:t>
             </a:r>
           </a:p>
           <a:p>
@@ -4655,7 +5309,6 @@
               <a:rPr lang="en-US" dirty="0"/>
               <a:t>journals that record file system updates </a:t>
             </a:r>
-            <a:endParaRPr lang="en-US" dirty="0" smtClean="0"/>
           </a:p>
           <a:p>
             <a:pPr marL="285750" indent="-285750">
@@ -4663,12 +5316,8 @@
               <a:buChar char="•"/>
             </a:pPr>
             <a:r>
-              <a:rPr lang="en-US" dirty="0" smtClean="0"/>
-              <a:t>lists </a:t>
-            </a:r>
-            <a:r>
               <a:rPr lang="en-US" dirty="0"/>
-              <a:t>that record what files have recently been updated</a:t>
+              <a:t>lists that record what files have recently been updated</a:t>
             </a:r>
           </a:p>
         </p:txBody>
@@ -4789,17 +5438,10 @@
   <p:clrMapOvr>
     <a:masterClrMapping/>
   </p:clrMapOvr>
-  <p:timing>
-    <p:tnLst>
-      <p:par>
-        <p:cTn id="1" dur="indefinite" restart="never" nodeType="tmRoot"/>
-      </p:par>
-    </p:tnLst>
-  </p:timing>
 </p:sld>
 </file>
 
-<file path=ppt/slides/slide4.xml><?xml version="1.0" encoding="utf-8"?>
+<file path=ppt/slides/slide7.xml><?xml version="1.0" encoding="utf-8"?>
 <p:sld xmlns:a="http://schemas.openxmlformats.org/drawingml/2006/main" xmlns:r="http://schemas.openxmlformats.org/officeDocument/2006/relationships" xmlns:p="http://schemas.openxmlformats.org/presentationml/2006/main">
   <p:cSld>
     <p:spTree>
@@ -4857,13 +5499,8 @@
           <a:p>
             <a:r>
               <a:rPr lang="en-US" dirty="0"/>
-              <a:t>TSK </a:t>
-            </a:r>
-            <a:r>
-              <a:rPr lang="en-US" dirty="0" smtClean="0"/>
-              <a:t>Tools</a:t>
-            </a:r>
-            <a:endParaRPr lang="en-US" dirty="0"/>
+              <a:t>TSK Tools</a:t>
+            </a:r>
           </a:p>
         </p:txBody>
       </p:sp>
@@ -5014,7 +5651,7 @@
               <a:buChar char="•"/>
             </a:pPr>
             <a:r>
-              <a:rPr lang="en-US" sz="1400" u="sng" dirty="0" err="1" smtClean="0">
+              <a:rPr lang="en-US" sz="1400" u="sng" dirty="0" err="1">
                 <a:solidFill>
                   <a:srgbClr val="5A3696"/>
                 </a:solidFill>
@@ -5054,34 +5691,19 @@
                 </a:solidFill>
                 <a:latin typeface="Arial" panose="020B0604020202020204" pitchFamily="34" charset="0"/>
               </a:rPr>
-              <a:t>: This tool will show the raw contents of an image file</a:t>
-            </a:r>
-            <a:r>
-              <a:rPr lang="en-US" sz="1400" dirty="0" smtClean="0">
+              <a:t>: This tool will show the raw contents of an image file.</a:t>
+            </a:r>
+          </a:p>
+          <a:p>
+            <a:r>
+              <a:rPr lang="en-US" sz="1400" dirty="0">
                 <a:solidFill>
                   <a:srgbClr val="000000"/>
                 </a:solidFill>
                 <a:latin typeface="Arial" panose="020B0604020202020204" pitchFamily="34" charset="0"/>
               </a:rPr>
-              <a:t>.</a:t>
-            </a:r>
-          </a:p>
-          <a:p>
-            <a:r>
-              <a:rPr lang="en-US" sz="1400" dirty="0">
-                <a:solidFill>
-                  <a:srgbClr val="000000"/>
-                </a:solidFill>
-                <a:latin typeface="Arial" panose="020B0604020202020204" pitchFamily="34" charset="0"/>
-              </a:rPr>
               <a:t>Disk Tools</a:t>
             </a:r>
-            <a:endParaRPr lang="en-US" sz="1400" dirty="0" smtClean="0">
-              <a:solidFill>
-                <a:srgbClr val="000000"/>
-              </a:solidFill>
-              <a:latin typeface="Arial" panose="020B0604020202020204" pitchFamily="34" charset="0"/>
-            </a:endParaRPr>
           </a:p>
           <a:p>
             <a:pPr marL="285750" indent="-285750">
@@ -5319,17 +5941,10 @@
   <p:clrMapOvr>
     <a:masterClrMapping/>
   </p:clrMapOvr>
-  <p:timing>
-    <p:tnLst>
-      <p:par>
-        <p:cTn id="1" dur="indefinite" restart="never" nodeType="tmRoot"/>
-      </p:par>
-    </p:tnLst>
-  </p:timing>
 </p:sld>
 </file>
 
-<file path=ppt/slides/slide5.xml><?xml version="1.0" encoding="utf-8"?>
+<file path=ppt/slides/slide8.xml><?xml version="1.0" encoding="utf-8"?>
 <p:sld xmlns:a="http://schemas.openxmlformats.org/drawingml/2006/main" xmlns:r="http://schemas.openxmlformats.org/officeDocument/2006/relationships" xmlns:p="http://schemas.openxmlformats.org/presentationml/2006/main">
   <p:cSld>
     <p:spTree>
@@ -5847,6 +6462,174 @@
     <p:extLst>
       <p:ext uri="{BB962C8B-B14F-4D97-AF65-F5344CB8AC3E}">
         <p14:creationId xmlns:p14="http://schemas.microsoft.com/office/powerpoint/2010/main" val="3069373520"/>
+      </p:ext>
+    </p:extLst>
+  </p:cSld>
+  <p:clrMapOvr>
+    <a:masterClrMapping/>
+  </p:clrMapOvr>
+</p:sld>
+</file>
+
+<file path=ppt/slides/slide9.xml><?xml version="1.0" encoding="utf-8"?>
+<p:sld xmlns:a="http://schemas.openxmlformats.org/drawingml/2006/main" xmlns:r="http://schemas.openxmlformats.org/officeDocument/2006/relationships" xmlns:p="http://schemas.openxmlformats.org/presentationml/2006/main">
+  <p:cSld>
+    <p:spTree>
+      <p:nvGrpSpPr>
+        <p:cNvPr id="1" name=""/>
+        <p:cNvGrpSpPr/>
+        <p:nvPr/>
+      </p:nvGrpSpPr>
+      <p:grpSpPr>
+        <a:xfrm>
+          <a:off x="0" y="0"/>
+          <a:ext cx="0" cy="0"/>
+          <a:chOff x="0" y="0"/>
+          <a:chExt cx="0" cy="0"/>
+        </a:xfrm>
+      </p:grpSpPr>
+      <p:sp>
+        <p:nvSpPr>
+          <p:cNvPr id="3" name="Title 2">
+            <a:extLst>
+              <a:ext uri="{FF2B5EF4-FFF2-40B4-BE49-F238E27FC236}">
+                <a16:creationId xmlns:a16="http://schemas.microsoft.com/office/drawing/2014/main" id="{38C0F097-7109-4F29-88C2-FD56C88EE3AC}"/>
+              </a:ext>
+            </a:extLst>
+          </p:cNvPr>
+          <p:cNvSpPr>
+            <a:spLocks noGrp="1"/>
+          </p:cNvSpPr>
+          <p:nvPr>
+            <p:ph type="title"/>
+          </p:nvPr>
+        </p:nvSpPr>
+        <p:spPr/>
+        <p:txBody>
+          <a:bodyPr/>
+          <a:lstStyle/>
+          <a:p>
+            <a:r>
+              <a:rPr lang="en-GB" dirty="0"/>
+              <a:t>Assignment</a:t>
+            </a:r>
+            <a:r>
+              <a:rPr lang="en-GB"/>
+              <a:t>: three </a:t>
+            </a:r>
+            <a:r>
+              <a:rPr lang="en-US"/>
+              <a:t>tools </a:t>
+            </a:r>
+            <a:r>
+              <a:rPr lang="en-US" dirty="0"/>
+              <a:t>demo in classes</a:t>
+            </a:r>
+          </a:p>
+        </p:txBody>
+      </p:sp>
+      <p:sp>
+        <p:nvSpPr>
+          <p:cNvPr id="4" name="Content Placeholder 3">
+            <a:extLst>
+              <a:ext uri="{FF2B5EF4-FFF2-40B4-BE49-F238E27FC236}">
+                <a16:creationId xmlns:a16="http://schemas.microsoft.com/office/drawing/2014/main" id="{FD94543E-EB57-4939-A8DE-34C9821FC8C6}"/>
+              </a:ext>
+            </a:extLst>
+          </p:cNvPr>
+          <p:cNvSpPr>
+            <a:spLocks noGrp="1"/>
+          </p:cNvSpPr>
+          <p:nvPr>
+            <p:ph idx="1"/>
+          </p:nvPr>
+        </p:nvSpPr>
+        <p:spPr/>
+        <p:txBody>
+          <a:bodyPr>
+            <a:normAutofit fontScale="85000" lnSpcReduction="10000"/>
+          </a:bodyPr>
+          <a:lstStyle/>
+          <a:p>
+            <a:pPr marL="0" indent="0">
+              <a:buNone/>
+            </a:pPr>
+            <a:r>
+              <a:rPr lang="en-US" dirty="0"/>
+              <a:t>How to pick up three tools?  You last four student ID/SSN digital mod 28. Example, if you last two digital ID is 1234 you need to pick questions 2, 3, 4 because 1234 mod 28 = 2. Note that the index of questions starts from 0</a:t>
+            </a:r>
+          </a:p>
+          <a:p>
+            <a:r>
+              <a:rPr lang="en-US" dirty="0"/>
+              <a:t>What are the inputs? where are the inputs (</a:t>
+            </a:r>
+            <a:r>
+              <a:rPr lang="en-US" dirty="0" err="1"/>
+              <a:t>url</a:t>
+            </a:r>
+            <a:r>
+              <a:rPr lang="en-US" dirty="0"/>
+              <a:t> or customize made inputs)</a:t>
+            </a:r>
+          </a:p>
+          <a:p>
+            <a:r>
+              <a:rPr lang="en-US" dirty="0"/>
+              <a:t>What is the command?</a:t>
+            </a:r>
+          </a:p>
+          <a:p>
+            <a:r>
+              <a:rPr lang="en-US" dirty="0"/>
+              <a:t>What are the outputs?</a:t>
+            </a:r>
+          </a:p>
+          <a:p>
+            <a:r>
+              <a:rPr lang="en-US" dirty="0"/>
+              <a:t>Explain each command and how does each parament determines the outputs?</a:t>
+            </a:r>
+          </a:p>
+          <a:p>
+            <a:r>
+              <a:rPr lang="en-US" dirty="0"/>
+              <a:t>Capture all screenshots. </a:t>
+            </a:r>
+          </a:p>
+          <a:p>
+            <a:r>
+              <a:rPr lang="en-US" dirty="0"/>
+              <a:t>If you use your own inputs, upload inputs</a:t>
+            </a:r>
+          </a:p>
+          <a:p>
+            <a:pPr marL="0" indent="0">
+              <a:buNone/>
+            </a:pPr>
+            <a:r>
+              <a:rPr lang="en-US" dirty="0"/>
+              <a:t>https://linuxhint.com/kali_linux_top_forensic_tools/</a:t>
+            </a:r>
+          </a:p>
+          <a:p>
+            <a:pPr marL="0" indent="0">
+              <a:buNone/>
+            </a:pPr>
+            <a:r>
+              <a:rPr lang="en-US" dirty="0"/>
+              <a:t>https://linuxhint.com/kali_linux_top_forensic_tools_2020_part_2/</a:t>
+            </a:r>
+          </a:p>
+          <a:p>
+            <a:endParaRPr lang="en-US" dirty="0"/>
+          </a:p>
+        </p:txBody>
+      </p:sp>
+    </p:spTree>
+    <p:extLst>
+      <p:ext uri="{BB962C8B-B14F-4D97-AF65-F5344CB8AC3E}">
+        <p14:creationId xmlns:p14="http://schemas.microsoft.com/office/powerpoint/2010/main" val="2003676083"/>
       </p:ext>
     </p:extLst>
   </p:cSld>

--- a/Basic_Computer_Skills_for_Forensics/6_Sleuth_Kit_Tutorial.pptx
+++ b/Basic_Computer_Skills_for_Forensics/6_Sleuth_Kit_Tutorial.pptx
@@ -126,7 +126,7 @@
 <file path=ppt/revisionInfo.xml><?xml version="1.0" encoding="utf-8"?>
 <p1510:revInfo xmlns:a="http://schemas.openxmlformats.org/drawingml/2006/main" xmlns:r="http://schemas.openxmlformats.org/officeDocument/2006/relationships" xmlns:p1510="http://schemas.microsoft.com/office/powerpoint/2015/10/main">
   <p1510:revLst>
-    <p1510:client id="{C409630A-84B6-4A23-AB6D-385EB5AA5C42}" v="16" dt="2021-09-07T13:03:06.424"/>
+    <p1510:client id="{C409630A-84B6-4A23-AB6D-385EB5AA5C42}" v="18" dt="2021-09-14T02:11:32.467"/>
   </p1510:revLst>
 </p1510:revInfo>
 </file>
@@ -136,7 +136,7 @@
   <pc:docChgLst>
     <pc:chgData name="Weifeng Xu" userId="e7aed605-a3dd-4d5a-a692-a87037af107b" providerId="ADAL" clId="{C409630A-84B6-4A23-AB6D-385EB5AA5C42}"/>
     <pc:docChg chg="undo custSel addSld modSld sldOrd">
-      <pc:chgData name="Weifeng Xu" userId="e7aed605-a3dd-4d5a-a692-a87037af107b" providerId="ADAL" clId="{C409630A-84B6-4A23-AB6D-385EB5AA5C42}" dt="2021-09-07T13:35:25.226" v="1150" actId="20577"/>
+      <pc:chgData name="Weifeng Xu" userId="e7aed605-a3dd-4d5a-a692-a87037af107b" providerId="ADAL" clId="{C409630A-84B6-4A23-AB6D-385EB5AA5C42}" dt="2021-09-14T02:11:40.312" v="1175" actId="20577"/>
       <pc:docMkLst>
         <pc:docMk/>
       </pc:docMkLst>
@@ -312,7 +312,7 @@
         </pc:picChg>
       </pc:sldChg>
       <pc:sldChg chg="addSp delSp modSp new mod modClrScheme chgLayout">
-        <pc:chgData name="Weifeng Xu" userId="e7aed605-a3dd-4d5a-a692-a87037af107b" providerId="ADAL" clId="{C409630A-84B6-4A23-AB6D-385EB5AA5C42}" dt="2021-09-07T13:35:25.226" v="1150" actId="20577"/>
+        <pc:chgData name="Weifeng Xu" userId="e7aed605-a3dd-4d5a-a692-a87037af107b" providerId="ADAL" clId="{C409630A-84B6-4A23-AB6D-385EB5AA5C42}" dt="2021-09-14T02:11:40.312" v="1175" actId="20577"/>
         <pc:sldMkLst>
           <pc:docMk/>
           <pc:sldMk cId="2003676083" sldId="312"/>
@@ -326,7 +326,7 @@
           </ac:spMkLst>
         </pc:spChg>
         <pc:spChg chg="add mod ord">
-          <ac:chgData name="Weifeng Xu" userId="e7aed605-a3dd-4d5a-a692-a87037af107b" providerId="ADAL" clId="{C409630A-84B6-4A23-AB6D-385EB5AA5C42}" dt="2021-09-07T13:35:25.226" v="1150" actId="20577"/>
+          <ac:chgData name="Weifeng Xu" userId="e7aed605-a3dd-4d5a-a692-a87037af107b" providerId="ADAL" clId="{C409630A-84B6-4A23-AB6D-385EB5AA5C42}" dt="2021-09-14T02:09:05.057" v="1152" actId="6549"/>
           <ac:spMkLst>
             <pc:docMk/>
             <pc:sldMk cId="2003676083" sldId="312"/>
@@ -334,7 +334,7 @@
           </ac:spMkLst>
         </pc:spChg>
         <pc:spChg chg="add mod ord">
-          <ac:chgData name="Weifeng Xu" userId="e7aed605-a3dd-4d5a-a692-a87037af107b" providerId="ADAL" clId="{C409630A-84B6-4A23-AB6D-385EB5AA5C42}" dt="2021-09-07T13:35:14.320" v="1142" actId="6549"/>
+          <ac:chgData name="Weifeng Xu" userId="e7aed605-a3dd-4d5a-a692-a87037af107b" providerId="ADAL" clId="{C409630A-84B6-4A23-AB6D-385EB5AA5C42}" dt="2021-09-14T02:11:40.312" v="1175" actId="20577"/>
           <ac:spMkLst>
             <pc:docMk/>
             <pc:sldMk cId="2003676083" sldId="312"/>
@@ -429,7 +429,7 @@
           <a:p>
             <a:fld id="{EE41F6E3-57F9-402E-BDBA-5B2DE11C8530}" type="datetimeFigureOut">
               <a:rPr lang="en-US" smtClean="0"/>
-              <a:t>9/7/2021</a:t>
+              <a:t>9/13/2021</a:t>
             </a:fld>
             <a:endParaRPr lang="en-US"/>
           </a:p>
@@ -1098,7 +1098,7 @@
           <a:p>
             <a:fld id="{4263717A-E3C1-4BED-ABE0-B7069385E023}" type="datetimeFigureOut">
               <a:rPr lang="en-US" smtClean="0"/>
-              <a:t>9/7/2021</a:t>
+              <a:t>9/13/2021</a:t>
             </a:fld>
             <a:endParaRPr lang="en-US"/>
           </a:p>
@@ -1271,7 +1271,7 @@
           <a:p>
             <a:fld id="{4263717A-E3C1-4BED-ABE0-B7069385E023}" type="datetimeFigureOut">
               <a:rPr lang="en-US" smtClean="0"/>
-              <a:t>9/7/2021</a:t>
+              <a:t>9/13/2021</a:t>
             </a:fld>
             <a:endParaRPr lang="en-US"/>
           </a:p>
@@ -1449,7 +1449,7 @@
           <a:p>
             <a:fld id="{4263717A-E3C1-4BED-ABE0-B7069385E023}" type="datetimeFigureOut">
               <a:rPr lang="en-US" smtClean="0"/>
-              <a:t>9/7/2021</a:t>
+              <a:t>9/13/2021</a:t>
             </a:fld>
             <a:endParaRPr lang="en-US"/>
           </a:p>
@@ -1617,7 +1617,7 @@
           <a:p>
             <a:fld id="{4263717A-E3C1-4BED-ABE0-B7069385E023}" type="datetimeFigureOut">
               <a:rPr lang="en-US" smtClean="0"/>
-              <a:t>9/7/2021</a:t>
+              <a:t>9/13/2021</a:t>
             </a:fld>
             <a:endParaRPr lang="en-US"/>
           </a:p>
@@ -1862,7 +1862,7 @@
           <a:p>
             <a:fld id="{4263717A-E3C1-4BED-ABE0-B7069385E023}" type="datetimeFigureOut">
               <a:rPr lang="en-US" smtClean="0"/>
-              <a:t>9/7/2021</a:t>
+              <a:t>9/13/2021</a:t>
             </a:fld>
             <a:endParaRPr lang="en-US"/>
           </a:p>
@@ -2091,7 +2091,7 @@
           <a:p>
             <a:fld id="{4263717A-E3C1-4BED-ABE0-B7069385E023}" type="datetimeFigureOut">
               <a:rPr lang="en-US" smtClean="0"/>
-              <a:t>9/7/2021</a:t>
+              <a:t>9/13/2021</a:t>
             </a:fld>
             <a:endParaRPr lang="en-US"/>
           </a:p>
@@ -2455,7 +2455,7 @@
           <a:p>
             <a:fld id="{4263717A-E3C1-4BED-ABE0-B7069385E023}" type="datetimeFigureOut">
               <a:rPr lang="en-US" smtClean="0"/>
-              <a:t>9/7/2021</a:t>
+              <a:t>9/13/2021</a:t>
             </a:fld>
             <a:endParaRPr lang="en-US"/>
           </a:p>
@@ -2572,7 +2572,7 @@
           <a:p>
             <a:fld id="{4263717A-E3C1-4BED-ABE0-B7069385E023}" type="datetimeFigureOut">
               <a:rPr lang="en-US" smtClean="0"/>
-              <a:t>9/7/2021</a:t>
+              <a:t>9/13/2021</a:t>
             </a:fld>
             <a:endParaRPr lang="en-US"/>
           </a:p>
@@ -2667,7 +2667,7 @@
           <a:p>
             <a:fld id="{4263717A-E3C1-4BED-ABE0-B7069385E023}" type="datetimeFigureOut">
               <a:rPr lang="en-US" smtClean="0"/>
-              <a:t>9/7/2021</a:t>
+              <a:t>9/13/2021</a:t>
             </a:fld>
             <a:endParaRPr lang="en-US"/>
           </a:p>
@@ -2942,7 +2942,7 @@
           <a:p>
             <a:fld id="{4263717A-E3C1-4BED-ABE0-B7069385E023}" type="datetimeFigureOut">
               <a:rPr lang="en-US" smtClean="0"/>
-              <a:t>9/7/2021</a:t>
+              <a:t>9/13/2021</a:t>
             </a:fld>
             <a:endParaRPr lang="en-US"/>
           </a:p>
@@ -3194,7 +3194,7 @@
           <a:p>
             <a:fld id="{4263717A-E3C1-4BED-ABE0-B7069385E023}" type="datetimeFigureOut">
               <a:rPr lang="en-US" smtClean="0"/>
-              <a:t>9/7/2021</a:t>
+              <a:t>9/13/2021</a:t>
             </a:fld>
             <a:endParaRPr lang="en-US"/>
           </a:p>
@@ -3405,7 +3405,7 @@
           <a:p>
             <a:fld id="{4263717A-E3C1-4BED-ABE0-B7069385E023}" type="datetimeFigureOut">
               <a:rPr lang="en-US" smtClean="0"/>
-              <a:t>9/7/2021</a:t>
+              <a:t>9/13/2021</a:t>
             </a:fld>
             <a:endParaRPr lang="en-US"/>
           </a:p>
@@ -6511,19 +6511,11 @@
           <a:p>
             <a:r>
               <a:rPr lang="en-GB" dirty="0"/>
-              <a:t>Assignment</a:t>
-            </a:r>
-            <a:r>
-              <a:rPr lang="en-GB"/>
-              <a:t>: three </a:t>
-            </a:r>
-            <a:r>
-              <a:rPr lang="en-US"/>
-              <a:t>tools </a:t>
+              <a:t>Assignment: three </a:t>
             </a:r>
             <a:r>
               <a:rPr lang="en-US" dirty="0"/>
-              <a:t>demo in classes</a:t>
+              <a:t>tools demo in classes</a:t>
             </a:r>
           </a:p>
         </p:txBody>
@@ -6556,7 +6548,7 @@
             </a:pPr>
             <a:r>
               <a:rPr lang="en-US" dirty="0"/>
-              <a:t>How to pick up three tools?  You last four student ID/SSN digital mod 28. Example, if you last two digital ID is 1234 you need to pick questions 2, 3, 4 because 1234 mod 28 = 2. Note that the index of questions starts from 0</a:t>
+              <a:t>How to pick up three tools?  You last four student ID/SSN digital mod 28. Example, if you last four digital ID is 1234 you need to pick questions 2, 3, 4 because 1234 mod 28 = 2. Note that the index of questions starts from 0</a:t>
             </a:r>
           </a:p>
           <a:p>
@@ -6608,8 +6600,14 @@
               <a:buNone/>
             </a:pPr>
             <a:r>
+              <a:rPr lang="en-US" dirty="0">
+                <a:hlinkClick r:id="rId2"/>
+              </a:rPr>
+              <a:t>https://linuxhint.com/kali_linux_top_forensic_tools/</a:t>
+            </a:r>
+            <a:r>
               <a:rPr lang="en-US" dirty="0"/>
-              <a:t>https://linuxhint.com/kali_linux_top_forensic_tools/</a:t>
+              <a:t> [0-13]</a:t>
             </a:r>
           </a:p>
           <a:p>
@@ -6617,9 +6615,22 @@
               <a:buNone/>
             </a:pPr>
             <a:r>
-              <a:rPr lang="en-US" dirty="0"/>
-              <a:t>https://linuxhint.com/kali_linux_top_forensic_tools_2020_part_2/</a:t>
-            </a:r>
+              <a:rPr lang="en-US" dirty="0">
+                <a:hlinkClick r:id="rId3"/>
+              </a:rPr>
+              <a:t>https://linuxhint.com/kali_linux_top_forensic_tools_2020_part_</a:t>
+            </a:r>
+            <a:r>
+              <a:rPr lang="en-US">
+                <a:hlinkClick r:id="rId3"/>
+              </a:rPr>
+              <a:t>2/</a:t>
+            </a:r>
+            <a:r>
+              <a:rPr lang="en-US"/>
+              <a:t>   [14-27]</a:t>
+            </a:r>
+            <a:endParaRPr lang="en-US" dirty="0"/>
           </a:p>
           <a:p>
             <a:endParaRPr lang="en-US" dirty="0"/>
